--- a/submissions/oc_county_mortality_fertility.pptx
+++ b/submissions/oc_county_mortality_fertility.pptx
@@ -6,16 +6,17 @@
   </p:sldMasterIdLst>
   <p:sldIdLst>
     <p:sldId id="256" r:id="rId2"/>
-    <p:sldId id="257" r:id="rId3"/>
-    <p:sldId id="258" r:id="rId4"/>
-    <p:sldId id="260" r:id="rId5"/>
-    <p:sldId id="261" r:id="rId6"/>
-    <p:sldId id="262" r:id="rId7"/>
-    <p:sldId id="263" r:id="rId8"/>
-    <p:sldId id="264" r:id="rId9"/>
-    <p:sldId id="265" r:id="rId10"/>
-    <p:sldId id="266" r:id="rId11"/>
-    <p:sldId id="267" r:id="rId12"/>
+    <p:sldId id="268" r:id="rId3"/>
+    <p:sldId id="270" r:id="rId4"/>
+    <p:sldId id="271" r:id="rId5"/>
+    <p:sldId id="258" r:id="rId6"/>
+    <p:sldId id="260" r:id="rId7"/>
+    <p:sldId id="269" r:id="rId8"/>
+    <p:sldId id="261" r:id="rId9"/>
+    <p:sldId id="262" r:id="rId10"/>
+    <p:sldId id="263" r:id="rId11"/>
+    <p:sldId id="265" r:id="rId12"/>
+    <p:sldId id="266" r:id="rId13"/>
   </p:sldIdLst>
   <p:sldSz cx="12192000" cy="6858000"/>
   <p:notesSz cx="6858000" cy="9144000"/>
@@ -3800,6 +3801,14 @@
 <file path=ppt/slides/slide1.xml><?xml version="1.0" encoding="utf-8"?>
 <p:sld xmlns:a="http://schemas.openxmlformats.org/drawingml/2006/main" xmlns:r="http://schemas.openxmlformats.org/officeDocument/2006/relationships" xmlns:p="http://schemas.openxmlformats.org/presentationml/2006/main">
   <p:cSld>
+    <p:bg>
+      <p:bgPr>
+        <a:solidFill>
+          <a:schemeClr val="bg1"/>
+        </a:solidFill>
+        <a:effectLst/>
+      </p:bgPr>
+    </p:bg>
     <p:spTree>
       <p:nvGrpSpPr>
         <p:cNvPr id="1" name=""/>
@@ -3814,6 +3823,66 @@
           <a:chExt cx="0" cy="0"/>
         </a:xfrm>
       </p:grpSpPr>
+      <p:sp useBgFill="1">
+        <p:nvSpPr>
+          <p:cNvPr id="8" name="Rectangle 7">
+            <a:extLst>
+              <a:ext uri="{FF2B5EF4-FFF2-40B4-BE49-F238E27FC236}">
+                <a16:creationId xmlns:a16="http://schemas.microsoft.com/office/drawing/2014/main" id="{FBDCECDC-EEE3-4128-AA5E-82A8C08796E8}"/>
+              </a:ext>
+              <a:ext uri="{C183D7F6-B498-43B3-948B-1728B52AA6E4}">
+                <adec:decorative xmlns:adec="http://schemas.microsoft.com/office/drawing/2017/decorative" val="1"/>
+              </a:ext>
+            </a:extLst>
+          </p:cNvPr>
+          <p:cNvSpPr>
+            <a:spLocks noGrp="1" noRot="1" noChangeAspect="1" noMove="1" noResize="1" noEditPoints="1" noAdjustHandles="1" noChangeArrowheads="1" noChangeShapeType="1" noTextEdit="1"/>
+          </p:cNvSpPr>
+          <p:nvPr>
+            <p:extLst>
+              <p:ext uri="{386F3935-93C4-4BCD-93E2-E3B085C9AB24}">
+                <p16:designElem xmlns:p16="http://schemas.microsoft.com/office/powerpoint/2015/main" val="1"/>
+              </p:ext>
+            </p:extLst>
+          </p:nvPr>
+        </p:nvSpPr>
+        <p:spPr>
+          <a:xfrm>
+            <a:off x="1507" y="0"/>
+            <a:ext cx="12192000" cy="6858000"/>
+          </a:xfrm>
+          <a:prstGeom prst="rect">
+            <a:avLst/>
+          </a:prstGeom>
+          <a:ln>
+            <a:noFill/>
+          </a:ln>
+        </p:spPr>
+        <p:style>
+          <a:lnRef idx="2">
+            <a:schemeClr val="accent1">
+              <a:shade val="50000"/>
+            </a:schemeClr>
+          </a:lnRef>
+          <a:fillRef idx="1">
+            <a:schemeClr val="accent1"/>
+          </a:fillRef>
+          <a:effectRef idx="0">
+            <a:schemeClr val="accent1"/>
+          </a:effectRef>
+          <a:fontRef idx="minor">
+            <a:schemeClr val="lt1"/>
+          </a:fontRef>
+        </p:style>
+        <p:txBody>
+          <a:bodyPr rtlCol="0" anchor="ctr"/>
+          <a:lstStyle/>
+          <a:p>
+            <a:pPr algn="ctr"/>
+            <a:endParaRPr lang="en-US"/>
+          </a:p>
+        </p:txBody>
+      </p:sp>
       <p:sp>
         <p:nvSpPr>
           <p:cNvPr id="2" name="Title 1">
@@ -3830,9 +3899,16 @@
             <p:ph type="ctrTitle"/>
           </p:nvPr>
         </p:nvSpPr>
-        <p:spPr/>
-        <p:txBody>
-          <a:bodyPr/>
+        <p:spPr>
+          <a:xfrm>
+            <a:off x="1097280" y="758952"/>
+            <a:ext cx="10058400" cy="3892168"/>
+          </a:xfrm>
+        </p:spPr>
+        <p:txBody>
+          <a:bodyPr>
+            <a:normAutofit/>
+          </a:bodyPr>
           <a:lstStyle/>
           <a:p>
             <a:r>
@@ -3841,6 +3917,61 @@
             </a:r>
           </a:p>
         </p:txBody>
+      </p:sp>
+      <p:sp>
+        <p:nvSpPr>
+          <p:cNvPr id="10" name="Rectangle 9">
+            <a:extLst>
+              <a:ext uri="{FF2B5EF4-FFF2-40B4-BE49-F238E27FC236}">
+                <a16:creationId xmlns:a16="http://schemas.microsoft.com/office/drawing/2014/main" id="{4260EDE0-989C-4E16-AF94-F652294D828E}"/>
+              </a:ext>
+              <a:ext uri="{C183D7F6-B498-43B3-948B-1728B52AA6E4}">
+                <adec:decorative xmlns:adec="http://schemas.microsoft.com/office/drawing/2017/decorative" val="1"/>
+              </a:ext>
+            </a:extLst>
+          </p:cNvPr>
+          <p:cNvSpPr>
+            <a:spLocks noGrp="1" noRot="1" noChangeAspect="1" noMove="1" noResize="1" noEditPoints="1" noAdjustHandles="1" noChangeArrowheads="1" noChangeShapeType="1" noTextEdit="1"/>
+          </p:cNvSpPr>
+          <p:nvPr>
+            <p:extLst>
+              <p:ext uri="{386F3935-93C4-4BCD-93E2-E3B085C9AB24}">
+                <p16:designElem xmlns:p16="http://schemas.microsoft.com/office/powerpoint/2015/main" val="1"/>
+              </p:ext>
+            </p:extLst>
+          </p:nvPr>
+        </p:nvSpPr>
+        <p:spPr bwMode="white">
+          <a:xfrm>
+            <a:off x="1507" y="4953000"/>
+            <a:ext cx="12188952" cy="1905000"/>
+          </a:xfrm>
+          <a:prstGeom prst="rect">
+            <a:avLst/>
+          </a:prstGeom>
+          <a:solidFill>
+            <a:schemeClr val="accent2"/>
+          </a:solidFill>
+          <a:ln>
+            <a:noFill/>
+          </a:ln>
+        </p:spPr>
+        <p:style>
+          <a:lnRef idx="2">
+            <a:schemeClr val="accent1">
+              <a:shade val="50000"/>
+            </a:schemeClr>
+          </a:lnRef>
+          <a:fillRef idx="1">
+            <a:schemeClr val="accent1"/>
+          </a:fillRef>
+          <a:effectRef idx="0">
+            <a:schemeClr val="accent1"/>
+          </a:effectRef>
+          <a:fontRef idx="minor">
+            <a:schemeClr val="lt1"/>
+          </a:fontRef>
+        </p:style>
       </p:sp>
       <p:sp>
         <p:nvSpPr>
@@ -3858,17 +3989,83 @@
             <p:ph type="subTitle" idx="1"/>
           </p:nvPr>
         </p:nvSpPr>
-        <p:spPr/>
-        <p:txBody>
-          <a:bodyPr/>
+        <p:spPr>
+          <a:xfrm>
+            <a:off x="1100051" y="5225240"/>
+            <a:ext cx="10058400" cy="1143000"/>
+          </a:xfrm>
+        </p:spPr>
+        <p:txBody>
+          <a:bodyPr>
+            <a:normAutofit/>
+          </a:bodyPr>
           <a:lstStyle/>
           <a:p>
             <a:r>
-              <a:rPr lang="en-US" dirty="0"/>
+              <a:rPr lang="en-US">
+                <a:solidFill>
+                  <a:srgbClr val="FFFFFF"/>
+                </a:solidFill>
+              </a:rPr>
               <a:t>Anushna Prakash</a:t>
             </a:r>
           </a:p>
         </p:txBody>
+      </p:sp>
+      <p:sp>
+        <p:nvSpPr>
+          <p:cNvPr id="12" name="Rectangle 11">
+            <a:extLst>
+              <a:ext uri="{FF2B5EF4-FFF2-40B4-BE49-F238E27FC236}">
+                <a16:creationId xmlns:a16="http://schemas.microsoft.com/office/drawing/2014/main" id="{1F3985C0-E548-44D2-B30E-F3E42DADE133}"/>
+              </a:ext>
+              <a:ext uri="{C183D7F6-B498-43B3-948B-1728B52AA6E4}">
+                <adec:decorative xmlns:adec="http://schemas.microsoft.com/office/drawing/2017/decorative" val="1"/>
+              </a:ext>
+            </a:extLst>
+          </p:cNvPr>
+          <p:cNvSpPr>
+            <a:spLocks noGrp="1" noRot="1" noChangeAspect="1" noMove="1" noResize="1" noEditPoints="1" noAdjustHandles="1" noChangeArrowheads="1" noChangeShapeType="1" noTextEdit="1"/>
+          </p:cNvSpPr>
+          <p:nvPr>
+            <p:extLst>
+              <p:ext uri="{386F3935-93C4-4BCD-93E2-E3B085C9AB24}">
+                <p16:designElem xmlns:p16="http://schemas.microsoft.com/office/powerpoint/2015/main" val="1"/>
+              </p:ext>
+            </p:extLst>
+          </p:nvPr>
+        </p:nvSpPr>
+        <p:spPr>
+          <a:xfrm>
+            <a:off x="1507" y="4906176"/>
+            <a:ext cx="12188952" cy="64008"/>
+          </a:xfrm>
+          <a:prstGeom prst="rect">
+            <a:avLst/>
+          </a:prstGeom>
+          <a:solidFill>
+            <a:schemeClr val="accent1"/>
+          </a:solidFill>
+          <a:ln>
+            <a:noFill/>
+          </a:ln>
+        </p:spPr>
+        <p:style>
+          <a:lnRef idx="2">
+            <a:schemeClr val="accent1">
+              <a:shade val="50000"/>
+            </a:schemeClr>
+          </a:lnRef>
+          <a:fillRef idx="1">
+            <a:schemeClr val="accent1"/>
+          </a:fillRef>
+          <a:effectRef idx="0">
+            <a:schemeClr val="accent1"/>
+          </a:effectRef>
+          <a:fontRef idx="minor">
+            <a:schemeClr val="lt1"/>
+          </a:fontRef>
+        </p:style>
       </p:sp>
     </p:spTree>
     <p:extLst>
@@ -3922,39 +4119,513 @@
           <a:bodyPr/>
           <a:lstStyle/>
           <a:p>
-            <a:endParaRPr lang="en-US"/>
-          </a:p>
-        </p:txBody>
-      </p:sp>
-      <p:sp>
-        <p:nvSpPr>
-          <p:cNvPr id="3" name="Content Placeholder 2">
-            <a:extLst>
-              <a:ext uri="{FF2B5EF4-FFF2-40B4-BE49-F238E27FC236}">
-                <a16:creationId xmlns:a16="http://schemas.microsoft.com/office/drawing/2014/main" id="{C59360FB-3752-44AA-BC8C-D88200BC138E}"/>
-              </a:ext>
-            </a:extLst>
-          </p:cNvPr>
-          <p:cNvSpPr>
-            <a:spLocks noGrp="1"/>
-          </p:cNvSpPr>
-          <p:nvPr>
-            <p:ph idx="1"/>
-          </p:nvPr>
-        </p:nvSpPr>
-        <p:spPr/>
-        <p:txBody>
-          <a:bodyPr/>
-          <a:lstStyle/>
-          <a:p>
-            <a:endParaRPr lang="en-US"/>
-          </a:p>
-        </p:txBody>
-      </p:sp>
+            <a:r>
+              <a:rPr lang="en-US" dirty="0"/>
+              <a:t>Results 2 &amp; 3: Overall Accidents </a:t>
+            </a:r>
+            <a:r>
+              <a:rPr lang="en-US" b="1" dirty="0">
+                <a:solidFill>
+                  <a:schemeClr val="accent2"/>
+                </a:solidFill>
+              </a:rPr>
+              <a:t>Increased</a:t>
+            </a:r>
+            <a:r>
+              <a:rPr lang="en-US" dirty="0"/>
+              <a:t> And Suicides </a:t>
+            </a:r>
+            <a:r>
+              <a:rPr lang="en-US" b="1" dirty="0">
+                <a:solidFill>
+                  <a:schemeClr val="tx1">
+                    <a:lumMod val="65000"/>
+                    <a:lumOff val="35000"/>
+                  </a:schemeClr>
+                </a:solidFill>
+              </a:rPr>
+              <a:t>Did Not Change</a:t>
+            </a:r>
+          </a:p>
+        </p:txBody>
+      </p:sp>
+      <mc:AlternateContent xmlns:mc="http://schemas.openxmlformats.org/markup-compatibility/2006">
+        <mc:Choice xmlns:a14="http://schemas.microsoft.com/office/drawing/2010/main" Requires="a14">
+          <p:sp>
+            <p:nvSpPr>
+              <p:cNvPr id="7" name="Content Placeholder 6">
+                <a:extLst>
+                  <a:ext uri="{FF2B5EF4-FFF2-40B4-BE49-F238E27FC236}">
+                    <a16:creationId xmlns:a16="http://schemas.microsoft.com/office/drawing/2014/main" id="{0BB7AFA9-59E1-4864-A5D5-A1CEBD81A344}"/>
+                  </a:ext>
+                </a:extLst>
+              </p:cNvPr>
+              <p:cNvSpPr>
+                <a:spLocks noGrp="1"/>
+              </p:cNvSpPr>
+              <p:nvPr>
+                <p:ph sz="half" idx="1"/>
+              </p:nvPr>
+            </p:nvSpPr>
+            <p:spPr/>
+            <p:txBody>
+              <a:bodyPr>
+                <a:normAutofit/>
+              </a:bodyPr>
+              <a:lstStyle/>
+              <a:p>
+                <a:r>
+                  <a:rPr lang="en-US" b="1" dirty="0"/>
+                  <a:t>Accidents </a:t>
+                </a:r>
+                <a:r>
+                  <a:rPr lang="en-US" dirty="0"/>
+                  <a:t>Test Results</a:t>
+                </a:r>
+              </a:p>
+              <a:p>
+                <a:pPr lvl="1"/>
+                <a:r>
+                  <a:rPr lang="en-US" dirty="0"/>
+                  <a:t>H</a:t>
+                </a:r>
+                <a:r>
+                  <a:rPr lang="en-US" baseline="-25000" dirty="0"/>
+                  <a:t>0</a:t>
+                </a:r>
+                <a:r>
+                  <a:rPr lang="en-US" dirty="0"/>
+                  <a:t>: There is no change in accident-related deaths during the pandemic.</a:t>
+                </a:r>
+              </a:p>
+              <a:p>
+                <a:pPr lvl="1"/>
+                <a:r>
+                  <a:rPr lang="en-US" dirty="0"/>
+                  <a:t>2-sided Welch T-Test with </a:t>
+                </a:r>
+                <a:r>
+                  <a:rPr lang="en-US" dirty="0" err="1"/>
+                  <a:t>n</a:t>
+                </a:r>
+                <a:r>
+                  <a:rPr lang="en-US" baseline="-25000" dirty="0" err="1"/>
+                  <a:t>pre</a:t>
+                </a:r>
+                <a:r>
+                  <a:rPr lang="en-US" baseline="-25000" dirty="0"/>
+                  <a:t>-pandemic</a:t>
+                </a:r>
+                <a:r>
+                  <a:rPr lang="en-US" dirty="0"/>
+                  <a:t> = 74 and </a:t>
+                </a:r>
+                <a:r>
+                  <a:rPr lang="en-US" dirty="0" err="1"/>
+                  <a:t>n</a:t>
+                </a:r>
+                <a:r>
+                  <a:rPr lang="en-US" baseline="-25000" dirty="0" err="1"/>
+                  <a:t>pandemic</a:t>
+                </a:r>
+                <a:r>
+                  <a:rPr lang="en-US" dirty="0"/>
+                  <a:t> = 16.</a:t>
+                </a:r>
+              </a:p>
+              <a:p>
+                <a:pPr lvl="1"/>
+                <a14:m>
+                  <m:oMath xmlns:m="http://schemas.openxmlformats.org/officeDocument/2006/math">
+                    <m:r>
+                      <a:rPr lang="en-US" b="0" i="1" smtClean="0">
+                        <a:latin typeface="Cambria Math" panose="02040503050406030204" pitchFamily="18" charset="0"/>
+                      </a:rPr>
+                      <m:t>𝑝</m:t>
+                    </m:r>
+                    <m:d>
+                      <m:dPr>
+                        <m:ctrlPr>
+                          <a:rPr lang="en-US" b="0" i="1" smtClean="0">
+                            <a:latin typeface="Cambria Math" panose="02040503050406030204" pitchFamily="18" charset="0"/>
+                          </a:rPr>
+                        </m:ctrlPr>
+                      </m:dPr>
+                      <m:e>
+                        <m:d>
+                          <m:dPr>
+                            <m:begChr m:val="|"/>
+                            <m:endChr m:val="|"/>
+                            <m:ctrlPr>
+                              <a:rPr lang="en-US" b="0" i="1" smtClean="0">
+                                <a:latin typeface="Cambria Math" panose="02040503050406030204" pitchFamily="18" charset="0"/>
+                              </a:rPr>
+                            </m:ctrlPr>
+                          </m:dPr>
+                          <m:e>
+                            <m:r>
+                              <a:rPr lang="en-US" b="0" i="1" smtClean="0">
+                                <a:latin typeface="Cambria Math" panose="02040503050406030204" pitchFamily="18" charset="0"/>
+                              </a:rPr>
+                              <m:t>𝑡</m:t>
+                            </m:r>
+                          </m:e>
+                        </m:d>
+                        <m:r>
+                          <a:rPr lang="en-US" b="0" i="1" smtClean="0">
+                            <a:latin typeface="Cambria Math" panose="02040503050406030204" pitchFamily="18" charset="0"/>
+                          </a:rPr>
+                          <m:t>&gt;</m:t>
+                        </m:r>
+                        <m:r>
+                          <a:rPr lang="en-US" b="0" i="1" smtClean="0">
+                            <a:latin typeface="Cambria Math" panose="02040503050406030204" pitchFamily="18" charset="0"/>
+                          </a:rPr>
+                          <m:t>8.65</m:t>
+                        </m:r>
+                      </m:e>
+                    </m:d>
+                    <m:r>
+                      <a:rPr lang="en-US" b="0" i="1" smtClean="0">
+                        <a:latin typeface="Cambria Math" panose="02040503050406030204" pitchFamily="18" charset="0"/>
+                      </a:rPr>
+                      <m:t>&lt;</m:t>
+                    </m:r>
+                    <m:r>
+                      <a:rPr lang="en-US" b="0" i="1" smtClean="0">
+                        <a:latin typeface="Cambria Math" panose="02040503050406030204" pitchFamily="18" charset="0"/>
+                      </a:rPr>
+                      <m:t>0.0</m:t>
+                    </m:r>
+                    <m:r>
+                      <a:rPr lang="en-US" b="0" i="1" smtClean="0">
+                        <a:latin typeface="Cambria Math" panose="02040503050406030204" pitchFamily="18" charset="0"/>
+                      </a:rPr>
+                      <m:t>01</m:t>
+                    </m:r>
+                  </m:oMath>
+                </a14:m>
+                <a:r>
+                  <a:rPr lang="en-US" dirty="0"/>
+                  <a:t>. </a:t>
+                </a:r>
+              </a:p>
+              <a:p>
+                <a:pPr lvl="1"/>
+                <a:r>
+                  <a:rPr lang="en-US" dirty="0"/>
+                  <a:t>Evidence that there </a:t>
+                </a:r>
+                <a:r>
+                  <a:rPr lang="en-US" b="1" dirty="0">
+                    <a:solidFill>
+                      <a:schemeClr val="accent2"/>
+                    </a:solidFill>
+                  </a:rPr>
+                  <a:t>was a change</a:t>
+                </a:r>
+                <a:r>
+                  <a:rPr lang="en-US" dirty="0"/>
+                  <a:t> in accidents.</a:t>
+                </a:r>
+              </a:p>
+              <a:p>
+                <a:pPr lvl="1"/>
+                <a:r>
+                  <a:rPr lang="en-US" dirty="0"/>
+                  <a:t>Accidents during the pandemic were </a:t>
+                </a:r>
+                <a:r>
+                  <a:rPr lang="en-US" i="1" dirty="0"/>
+                  <a:t>higher.</a:t>
+                </a:r>
+              </a:p>
+              <a:p>
+                <a:r>
+                  <a:rPr lang="en-US" dirty="0"/>
+                  <a:t>Plausible Explanation</a:t>
+                </a:r>
+              </a:p>
+              <a:p>
+                <a:pPr lvl="1"/>
+                <a:r>
+                  <a:rPr lang="en-US" dirty="0"/>
+                  <a:t>??</a:t>
+                </a:r>
+              </a:p>
+            </p:txBody>
+          </p:sp>
+        </mc:Choice>
+        <mc:Fallback>
+          <p:sp>
+            <p:nvSpPr>
+              <p:cNvPr id="7" name="Content Placeholder 6">
+                <a:extLst>
+                  <a:ext uri="{FF2B5EF4-FFF2-40B4-BE49-F238E27FC236}">
+                    <a16:creationId xmlns:a16="http://schemas.microsoft.com/office/drawing/2014/main" id="{0BB7AFA9-59E1-4864-A5D5-A1CEBD81A344}"/>
+                  </a:ext>
+                </a:extLst>
+              </p:cNvPr>
+              <p:cNvSpPr>
+                <a:spLocks noGrp="1" noRot="1" noChangeAspect="1" noMove="1" noResize="1" noEditPoints="1" noAdjustHandles="1" noChangeArrowheads="1" noChangeShapeType="1" noTextEdit="1"/>
+              </p:cNvSpPr>
+              <p:nvPr>
+                <p:ph sz="half" idx="1"/>
+              </p:nvPr>
+            </p:nvSpPr>
+            <p:spPr>
+              <a:blipFill>
+                <a:blip r:embed="rId2"/>
+                <a:stretch>
+                  <a:fillRect l="-1235" t="-1667" r="-3580"/>
+                </a:stretch>
+              </a:blipFill>
+            </p:spPr>
+            <p:txBody>
+              <a:bodyPr/>
+              <a:lstStyle/>
+              <a:p>
+                <a:r>
+                  <a:rPr lang="en-US">
+                    <a:noFill/>
+                  </a:rPr>
+                  <a:t> </a:t>
+                </a:r>
+              </a:p>
+            </p:txBody>
+          </p:sp>
+        </mc:Fallback>
+      </mc:AlternateContent>
+      <mc:AlternateContent xmlns:mc="http://schemas.openxmlformats.org/markup-compatibility/2006">
+        <mc:Choice xmlns:a14="http://schemas.microsoft.com/office/drawing/2010/main" Requires="a14">
+          <p:sp>
+            <p:nvSpPr>
+              <p:cNvPr id="8" name="Content Placeholder 7">
+                <a:extLst>
+                  <a:ext uri="{FF2B5EF4-FFF2-40B4-BE49-F238E27FC236}">
+                    <a16:creationId xmlns:a16="http://schemas.microsoft.com/office/drawing/2014/main" id="{B0C9DD59-E095-4B08-9C83-A024D571CF63}"/>
+                  </a:ext>
+                </a:extLst>
+              </p:cNvPr>
+              <p:cNvSpPr>
+                <a:spLocks noGrp="1"/>
+              </p:cNvSpPr>
+              <p:nvPr>
+                <p:ph sz="half" idx="2"/>
+              </p:nvPr>
+            </p:nvSpPr>
+            <p:spPr/>
+            <p:txBody>
+              <a:bodyPr>
+                <a:normAutofit/>
+              </a:bodyPr>
+              <a:lstStyle/>
+              <a:p>
+                <a:r>
+                  <a:rPr lang="en-US" b="1" dirty="0"/>
+                  <a:t>Suicides </a:t>
+                </a:r>
+                <a:r>
+                  <a:rPr lang="en-US" dirty="0"/>
+                  <a:t>Test Results</a:t>
+                </a:r>
+              </a:p>
+              <a:p>
+                <a:pPr lvl="1"/>
+                <a:r>
+                  <a:rPr lang="en-US" dirty="0"/>
+                  <a:t>H</a:t>
+                </a:r>
+                <a:r>
+                  <a:rPr lang="en-US" baseline="-25000" dirty="0"/>
+                  <a:t>0</a:t>
+                </a:r>
+                <a:r>
+                  <a:rPr lang="en-US" dirty="0"/>
+                  <a:t>: There is no change in suicide-related deaths during the pandemic.</a:t>
+                </a:r>
+              </a:p>
+              <a:p>
+                <a:pPr lvl="1"/>
+                <a:r>
+                  <a:rPr lang="en-US" dirty="0"/>
+                  <a:t>2-sided Welch T-Test with </a:t>
+                </a:r>
+                <a:r>
+                  <a:rPr lang="en-US" dirty="0" err="1"/>
+                  <a:t>n</a:t>
+                </a:r>
+                <a:r>
+                  <a:rPr lang="en-US" baseline="-25000" dirty="0" err="1"/>
+                  <a:t>pre</a:t>
+                </a:r>
+                <a:r>
+                  <a:rPr lang="en-US" baseline="-25000" dirty="0"/>
+                  <a:t>-pandemic</a:t>
+                </a:r>
+                <a:r>
+                  <a:rPr lang="en-US" dirty="0"/>
+                  <a:t> = 74 and </a:t>
+                </a:r>
+                <a:r>
+                  <a:rPr lang="en-US" dirty="0" err="1"/>
+                  <a:t>n</a:t>
+                </a:r>
+                <a:r>
+                  <a:rPr lang="en-US" baseline="-25000" dirty="0" err="1"/>
+                  <a:t>pandemic</a:t>
+                </a:r>
+                <a:r>
+                  <a:rPr lang="en-US" dirty="0"/>
+                  <a:t> = 16.</a:t>
+                </a:r>
+              </a:p>
+              <a:p>
+                <a:pPr lvl="1"/>
+                <a14:m>
+                  <m:oMath xmlns:m="http://schemas.openxmlformats.org/officeDocument/2006/math">
+                    <m:r>
+                      <a:rPr lang="en-US" b="0" i="1" smtClean="0">
+                        <a:latin typeface="Cambria Math" panose="02040503050406030204" pitchFamily="18" charset="0"/>
+                      </a:rPr>
+                      <m:t>𝑝</m:t>
+                    </m:r>
+                    <m:d>
+                      <m:dPr>
+                        <m:ctrlPr>
+                          <a:rPr lang="en-US" b="0" i="1" smtClean="0">
+                            <a:latin typeface="Cambria Math" panose="02040503050406030204" pitchFamily="18" charset="0"/>
+                          </a:rPr>
+                        </m:ctrlPr>
+                      </m:dPr>
+                      <m:e>
+                        <m:d>
+                          <m:dPr>
+                            <m:begChr m:val="|"/>
+                            <m:endChr m:val="|"/>
+                            <m:ctrlPr>
+                              <a:rPr lang="en-US" b="0" i="1" smtClean="0">
+                                <a:latin typeface="Cambria Math" panose="02040503050406030204" pitchFamily="18" charset="0"/>
+                              </a:rPr>
+                            </m:ctrlPr>
+                          </m:dPr>
+                          <m:e>
+                            <m:r>
+                              <a:rPr lang="en-US" b="0" i="1" smtClean="0">
+                                <a:latin typeface="Cambria Math" panose="02040503050406030204" pitchFamily="18" charset="0"/>
+                              </a:rPr>
+                              <m:t>𝑡</m:t>
+                            </m:r>
+                          </m:e>
+                        </m:d>
+                        <m:r>
+                          <a:rPr lang="en-US" b="0" i="1" smtClean="0">
+                            <a:latin typeface="Cambria Math" panose="02040503050406030204" pitchFamily="18" charset="0"/>
+                          </a:rPr>
+                          <m:t>&gt;</m:t>
+                        </m:r>
+                        <m:r>
+                          <a:rPr lang="en-US" b="0" i="1" smtClean="0">
+                            <a:latin typeface="Cambria Math" panose="02040503050406030204" pitchFamily="18" charset="0"/>
+                          </a:rPr>
+                          <m:t>0.96</m:t>
+                        </m:r>
+                      </m:e>
+                    </m:d>
+                    <m:r>
+                      <a:rPr lang="en-US" b="0" i="1" smtClean="0">
+                        <a:latin typeface="Cambria Math" panose="02040503050406030204" pitchFamily="18" charset="0"/>
+                      </a:rPr>
+                      <m:t>=0.</m:t>
+                    </m:r>
+                    <m:r>
+                      <a:rPr lang="en-US" b="0" i="1" smtClean="0">
+                        <a:latin typeface="Cambria Math" panose="02040503050406030204" pitchFamily="18" charset="0"/>
+                      </a:rPr>
+                      <m:t>35</m:t>
+                    </m:r>
+                  </m:oMath>
+                </a14:m>
+                <a:r>
+                  <a:rPr lang="en-US" dirty="0"/>
+                  <a:t>. </a:t>
+                </a:r>
+              </a:p>
+              <a:p>
+                <a:pPr lvl="1"/>
+                <a:r>
+                  <a:rPr lang="en-US" b="1" dirty="0">
+                    <a:solidFill>
+                      <a:schemeClr val="accent2"/>
+                    </a:solidFill>
+                  </a:rPr>
+                  <a:t>Not enough evidence</a:t>
+                </a:r>
+                <a:r>
+                  <a:rPr lang="en-US" dirty="0"/>
+                  <a:t> that there was a change in suicides. </a:t>
+                </a:r>
+              </a:p>
+              <a:p>
+                <a:r>
+                  <a:rPr lang="en-US" dirty="0"/>
+                  <a:t>Plausible Explanation</a:t>
+                </a:r>
+              </a:p>
+              <a:p>
+                <a:pPr lvl="1"/>
+                <a:r>
+                  <a:rPr lang="en-US" dirty="0"/>
+                  <a:t>Access to mental health resources</a:t>
+                </a:r>
+              </a:p>
+            </p:txBody>
+          </p:sp>
+        </mc:Choice>
+        <mc:Fallback>
+          <p:sp>
+            <p:nvSpPr>
+              <p:cNvPr id="8" name="Content Placeholder 7">
+                <a:extLst>
+                  <a:ext uri="{FF2B5EF4-FFF2-40B4-BE49-F238E27FC236}">
+                    <a16:creationId xmlns:a16="http://schemas.microsoft.com/office/drawing/2014/main" id="{B0C9DD59-E095-4B08-9C83-A024D571CF63}"/>
+                  </a:ext>
+                </a:extLst>
+              </p:cNvPr>
+              <p:cNvSpPr>
+                <a:spLocks noGrp="1" noRot="1" noChangeAspect="1" noMove="1" noResize="1" noEditPoints="1" noAdjustHandles="1" noChangeArrowheads="1" noChangeShapeType="1" noTextEdit="1"/>
+              </p:cNvSpPr>
+              <p:nvPr>
+                <p:ph sz="half" idx="2"/>
+              </p:nvPr>
+            </p:nvSpPr>
+            <p:spPr>
+              <a:blipFill>
+                <a:blip r:embed="rId3"/>
+                <a:stretch>
+                  <a:fillRect l="-1235" t="-1667" r="-3210"/>
+                </a:stretch>
+              </a:blipFill>
+            </p:spPr>
+            <p:txBody>
+              <a:bodyPr/>
+              <a:lstStyle/>
+              <a:p>
+                <a:r>
+                  <a:rPr lang="en-US">
+                    <a:noFill/>
+                  </a:rPr>
+                  <a:t> </a:t>
+                </a:r>
+              </a:p>
+            </p:txBody>
+          </p:sp>
+        </mc:Fallback>
+      </mc:AlternateContent>
     </p:spTree>
     <p:extLst>
       <p:ext uri="{BB962C8B-B14F-4D97-AF65-F5344CB8AC3E}">
-        <p14:creationId xmlns:p14="http://schemas.microsoft.com/office/powerpoint/2010/main" val="110601240"/>
+        <p14:creationId xmlns:p14="http://schemas.microsoft.com/office/powerpoint/2010/main" val="1457680703"/>
       </p:ext>
     </p:extLst>
   </p:cSld>
@@ -4003,6 +4674,313 @@
           <a:bodyPr/>
           <a:lstStyle/>
           <a:p>
+            <a:r>
+              <a:rPr lang="en-US" dirty="0"/>
+              <a:t>Result 4: Overall Births </a:t>
+            </a:r>
+            <a:r>
+              <a:rPr lang="en-US" b="1" dirty="0">
+                <a:solidFill>
+                  <a:schemeClr val="accent2"/>
+                </a:solidFill>
+              </a:rPr>
+              <a:t>Decreased</a:t>
+            </a:r>
+            <a:endParaRPr lang="en-US" b="1" dirty="0">
+              <a:solidFill>
+                <a:schemeClr val="accent1">
+                  <a:lumMod val="75000"/>
+                </a:schemeClr>
+              </a:solidFill>
+            </a:endParaRPr>
+          </a:p>
+        </p:txBody>
+      </p:sp>
+      <mc:AlternateContent xmlns:mc="http://schemas.openxmlformats.org/markup-compatibility/2006">
+        <mc:Choice xmlns:a14="http://schemas.microsoft.com/office/drawing/2010/main" Requires="a14">
+          <p:sp>
+            <p:nvSpPr>
+              <p:cNvPr id="3" name="Content Placeholder 2">
+                <a:extLst>
+                  <a:ext uri="{FF2B5EF4-FFF2-40B4-BE49-F238E27FC236}">
+                    <a16:creationId xmlns:a16="http://schemas.microsoft.com/office/drawing/2014/main" id="{C59360FB-3752-44AA-BC8C-D88200BC138E}"/>
+                  </a:ext>
+                </a:extLst>
+              </p:cNvPr>
+              <p:cNvSpPr>
+                <a:spLocks noGrp="1"/>
+              </p:cNvSpPr>
+              <p:nvPr>
+                <p:ph idx="1"/>
+              </p:nvPr>
+            </p:nvSpPr>
+            <p:spPr/>
+            <p:txBody>
+              <a:bodyPr/>
+              <a:lstStyle/>
+              <a:p>
+                <a:r>
+                  <a:rPr lang="en-US" dirty="0"/>
+                  <a:t>Test Results</a:t>
+                </a:r>
+              </a:p>
+              <a:p>
+                <a:pPr lvl="1"/>
+                <a:r>
+                  <a:rPr lang="en-US" dirty="0"/>
+                  <a:t>H</a:t>
+                </a:r>
+                <a:r>
+                  <a:rPr lang="en-US" baseline="-25000" dirty="0"/>
+                  <a:t>0</a:t>
+                </a:r>
+                <a:r>
+                  <a:rPr lang="en-US" dirty="0"/>
+                  <a:t>: There is no change in births during the pandemic (measured 9 months after pandemic start).</a:t>
+                </a:r>
+              </a:p>
+              <a:p>
+                <a:pPr lvl="1"/>
+                <a:r>
+                  <a:rPr lang="en-US" dirty="0"/>
+                  <a:t>1-sided Welch T-Test with </a:t>
+                </a:r>
+                <a:r>
+                  <a:rPr lang="en-US" dirty="0" err="1"/>
+                  <a:t>n</a:t>
+                </a:r>
+                <a:r>
+                  <a:rPr lang="en-US" baseline="-25000" dirty="0" err="1"/>
+                  <a:t>pre</a:t>
+                </a:r>
+                <a:r>
+                  <a:rPr lang="en-US" baseline="-25000" dirty="0"/>
+                  <a:t>-pandemic</a:t>
+                </a:r>
+                <a:r>
+                  <a:rPr lang="en-US" dirty="0"/>
+                  <a:t> = 84 and </a:t>
+                </a:r>
+                <a:r>
+                  <a:rPr lang="en-US" dirty="0" err="1"/>
+                  <a:t>n</a:t>
+                </a:r>
+                <a:r>
+                  <a:rPr lang="en-US" baseline="-25000" dirty="0" err="1"/>
+                  <a:t>pandemic</a:t>
+                </a:r>
+                <a:r>
+                  <a:rPr lang="en-US" dirty="0"/>
+                  <a:t> = 10.</a:t>
+                </a:r>
+              </a:p>
+              <a:p>
+                <a:pPr lvl="1"/>
+                <a14:m>
+                  <m:oMath xmlns:m="http://schemas.openxmlformats.org/officeDocument/2006/math">
+                    <m:r>
+                      <a:rPr lang="en-US" b="0" i="1" smtClean="0">
+                        <a:latin typeface="Cambria Math" panose="02040503050406030204" pitchFamily="18" charset="0"/>
+                      </a:rPr>
+                      <m:t>𝑝</m:t>
+                    </m:r>
+                    <m:d>
+                      <m:dPr>
+                        <m:ctrlPr>
+                          <a:rPr lang="en-US" b="0" i="1" smtClean="0">
+                            <a:latin typeface="Cambria Math" panose="02040503050406030204" pitchFamily="18" charset="0"/>
+                          </a:rPr>
+                        </m:ctrlPr>
+                      </m:dPr>
+                      <m:e>
+                        <m:r>
+                          <a:rPr lang="en-US" b="0" i="1" smtClean="0">
+                            <a:latin typeface="Cambria Math" panose="02040503050406030204" pitchFamily="18" charset="0"/>
+                          </a:rPr>
+                          <m:t>𝑡</m:t>
+                        </m:r>
+                        <m:r>
+                          <a:rPr lang="en-US" b="0" i="1" smtClean="0">
+                            <a:latin typeface="Cambria Math" panose="02040503050406030204" pitchFamily="18" charset="0"/>
+                          </a:rPr>
+                          <m:t>&gt;</m:t>
+                        </m:r>
+                        <m:r>
+                          <a:rPr lang="en-US" b="0" i="1" smtClean="0">
+                            <a:latin typeface="Cambria Math" panose="02040503050406030204" pitchFamily="18" charset="0"/>
+                          </a:rPr>
+                          <m:t>10.1</m:t>
+                        </m:r>
+                      </m:e>
+                    </m:d>
+                    <m:r>
+                      <a:rPr lang="en-US" b="0" i="1" smtClean="0">
+                        <a:latin typeface="Cambria Math" panose="02040503050406030204" pitchFamily="18" charset="0"/>
+                      </a:rPr>
+                      <m:t>&lt;</m:t>
+                    </m:r>
+                    <m:r>
+                      <a:rPr lang="en-US" b="0" i="1" smtClean="0">
+                        <a:latin typeface="Cambria Math" panose="02040503050406030204" pitchFamily="18" charset="0"/>
+                      </a:rPr>
+                      <m:t>0.0</m:t>
+                    </m:r>
+                    <m:r>
+                      <a:rPr lang="en-US" b="0" i="1" smtClean="0">
+                        <a:latin typeface="Cambria Math" panose="02040503050406030204" pitchFamily="18" charset="0"/>
+                      </a:rPr>
+                      <m:t>01</m:t>
+                    </m:r>
+                  </m:oMath>
+                </a14:m>
+                <a:r>
+                  <a:rPr lang="en-US" dirty="0"/>
+                  <a:t>. </a:t>
+                </a:r>
+              </a:p>
+              <a:p>
+                <a:pPr lvl="1"/>
+                <a:r>
+                  <a:rPr lang="en-US" dirty="0"/>
+                  <a:t>Evidence that there </a:t>
+                </a:r>
+                <a:r>
+                  <a:rPr lang="en-US" b="1" dirty="0">
+                    <a:solidFill>
+                      <a:schemeClr val="accent2"/>
+                    </a:solidFill>
+                  </a:rPr>
+                  <a:t>was a change</a:t>
+                </a:r>
+                <a:r>
+                  <a:rPr lang="en-US" dirty="0"/>
+                  <a:t> in births during the pandemic.</a:t>
+                </a:r>
+              </a:p>
+              <a:p>
+                <a:pPr lvl="1"/>
+                <a:r>
+                  <a:rPr lang="en-US" dirty="0"/>
+                  <a:t>Births during the pandemic were </a:t>
+                </a:r>
+                <a:r>
+                  <a:rPr lang="en-US" i="1" dirty="0"/>
+                  <a:t>lower.</a:t>
+                </a:r>
+                <a:endParaRPr lang="en-US" dirty="0"/>
+              </a:p>
+              <a:p>
+                <a:r>
+                  <a:rPr lang="en-US" dirty="0"/>
+                  <a:t>Plausible Explanation</a:t>
+                </a:r>
+              </a:p>
+              <a:p>
+                <a:pPr lvl="1"/>
+                <a:r>
+                  <a:rPr lang="en-US" dirty="0"/>
+                  <a:t>Life upheaval, general uncertainty</a:t>
+                </a:r>
+              </a:p>
+            </p:txBody>
+          </p:sp>
+        </mc:Choice>
+        <mc:Fallback>
+          <p:sp>
+            <p:nvSpPr>
+              <p:cNvPr id="3" name="Content Placeholder 2">
+                <a:extLst>
+                  <a:ext uri="{FF2B5EF4-FFF2-40B4-BE49-F238E27FC236}">
+                    <a16:creationId xmlns:a16="http://schemas.microsoft.com/office/drawing/2014/main" id="{C59360FB-3752-44AA-BC8C-D88200BC138E}"/>
+                  </a:ext>
+                </a:extLst>
+              </p:cNvPr>
+              <p:cNvSpPr>
+                <a:spLocks noGrp="1" noRot="1" noChangeAspect="1" noMove="1" noResize="1" noEditPoints="1" noAdjustHandles="1" noChangeArrowheads="1" noChangeShapeType="1" noTextEdit="1"/>
+              </p:cNvSpPr>
+              <p:nvPr>
+                <p:ph idx="1"/>
+              </p:nvPr>
+            </p:nvSpPr>
+            <p:spPr>
+              <a:blipFill>
+                <a:blip r:embed="rId2"/>
+                <a:stretch>
+                  <a:fillRect l="-606" t="-1667"/>
+                </a:stretch>
+              </a:blipFill>
+            </p:spPr>
+            <p:txBody>
+              <a:bodyPr/>
+              <a:lstStyle/>
+              <a:p>
+                <a:r>
+                  <a:rPr lang="en-US">
+                    <a:noFill/>
+                  </a:rPr>
+                  <a:t> </a:t>
+                </a:r>
+              </a:p>
+            </p:txBody>
+          </p:sp>
+        </mc:Fallback>
+      </mc:AlternateContent>
+    </p:spTree>
+    <p:extLst>
+      <p:ext uri="{BB962C8B-B14F-4D97-AF65-F5344CB8AC3E}">
+        <p14:creationId xmlns:p14="http://schemas.microsoft.com/office/powerpoint/2010/main" val="781582528"/>
+      </p:ext>
+    </p:extLst>
+  </p:cSld>
+  <p:clrMapOvr>
+    <a:masterClrMapping/>
+  </p:clrMapOvr>
+  <p:transition advTm="20000"/>
+</p:sld>
+</file>
+
+<file path=ppt/slides/slide12.xml><?xml version="1.0" encoding="utf-8"?>
+<p:sld xmlns:a="http://schemas.openxmlformats.org/drawingml/2006/main" xmlns:r="http://schemas.openxmlformats.org/officeDocument/2006/relationships" xmlns:p="http://schemas.openxmlformats.org/presentationml/2006/main">
+  <p:cSld>
+    <p:spTree>
+      <p:nvGrpSpPr>
+        <p:cNvPr id="1" name=""/>
+        <p:cNvGrpSpPr/>
+        <p:nvPr/>
+      </p:nvGrpSpPr>
+      <p:grpSpPr>
+        <a:xfrm>
+          <a:off x="0" y="0"/>
+          <a:ext cx="0" cy="0"/>
+          <a:chOff x="0" y="0"/>
+          <a:chExt cx="0" cy="0"/>
+        </a:xfrm>
+      </p:grpSpPr>
+      <p:sp>
+        <p:nvSpPr>
+          <p:cNvPr id="2" name="Title 1">
+            <a:extLst>
+              <a:ext uri="{FF2B5EF4-FFF2-40B4-BE49-F238E27FC236}">
+                <a16:creationId xmlns:a16="http://schemas.microsoft.com/office/drawing/2014/main" id="{7D18369F-C022-41BA-8D4A-3E9A99019E83}"/>
+              </a:ext>
+            </a:extLst>
+          </p:cNvPr>
+          <p:cNvSpPr>
+            <a:spLocks noGrp="1"/>
+          </p:cNvSpPr>
+          <p:nvPr>
+            <p:ph type="title"/>
+          </p:nvPr>
+        </p:nvSpPr>
+        <p:spPr/>
+        <p:txBody>
+          <a:bodyPr/>
+          <a:lstStyle/>
+          <a:p>
+            <a:r>
+              <a:rPr lang="en-US"/>
+              <a:t>Conclusion</a:t>
+            </a:r>
             <a:endParaRPr lang="en-US" dirty="0"/>
           </a:p>
         </p:txBody>
@@ -4028,14 +5006,55 @@
           <a:bodyPr/>
           <a:lstStyle/>
           <a:p>
-            <a:endParaRPr lang="en-US"/>
+            <a:r>
+              <a:rPr lang="en-US" dirty="0"/>
+              <a:t>Health was affected in many ways</a:t>
+            </a:r>
+          </a:p>
+          <a:p>
+            <a:r>
+              <a:rPr lang="en-US" dirty="0"/>
+              <a:t>Behaviors may be changing – why are accidents up?</a:t>
+            </a:r>
+          </a:p>
+          <a:p>
+            <a:r>
+              <a:rPr lang="en-US" dirty="0"/>
+              <a:t>Mental health crisis is real. Comparison of Orange County to other counties where suicides </a:t>
+            </a:r>
+            <a:r>
+              <a:rPr lang="en-US" i="1" dirty="0"/>
+              <a:t>were</a:t>
+            </a:r>
+            <a:r>
+              <a:rPr lang="en-US" dirty="0"/>
+              <a:t> up may provide insights.</a:t>
+            </a:r>
+          </a:p>
+          <a:p>
+            <a:r>
+              <a:rPr lang="en-US" dirty="0"/>
+              <a:t>Data consistency &amp; documentation.</a:t>
+            </a:r>
+          </a:p>
+          <a:p>
+            <a:r>
+              <a:rPr lang="en-US" dirty="0"/>
+              <a:t>Matching granularity.</a:t>
+            </a:r>
+          </a:p>
+          <a:p>
+            <a:r>
+              <a:rPr lang="en-US" dirty="0"/>
+              <a:t>Drawing conclusions from developing situations.</a:t>
+            </a:r>
           </a:p>
         </p:txBody>
       </p:sp>
     </p:spTree>
     <p:extLst>
       <p:ext uri="{BB962C8B-B14F-4D97-AF65-F5344CB8AC3E}">
-        <p14:creationId xmlns:p14="http://schemas.microsoft.com/office/powerpoint/2010/main" val="2027900417"/>
+        <p14:creationId xmlns:p14="http://schemas.microsoft.com/office/powerpoint/2010/main" val="110601240"/>
       </p:ext>
     </p:extLst>
   </p:cSld>
@@ -4047,6 +5066,129 @@
 </file>
 
 <file path=ppt/slides/slide2.xml><?xml version="1.0" encoding="utf-8"?>
+<p:sld xmlns:a="http://schemas.openxmlformats.org/drawingml/2006/main" xmlns:r="http://schemas.openxmlformats.org/officeDocument/2006/relationships" xmlns:p="http://schemas.openxmlformats.org/presentationml/2006/main">
+  <p:cSld>
+    <p:spTree>
+      <p:nvGrpSpPr>
+        <p:cNvPr id="1" name=""/>
+        <p:cNvGrpSpPr/>
+        <p:nvPr/>
+      </p:nvGrpSpPr>
+      <p:grpSpPr>
+        <a:xfrm>
+          <a:off x="0" y="0"/>
+          <a:ext cx="0" cy="0"/>
+          <a:chOff x="0" y="0"/>
+          <a:chExt cx="0" cy="0"/>
+        </a:xfrm>
+      </p:grpSpPr>
+      <p:sp>
+        <p:nvSpPr>
+          <p:cNvPr id="2" name="Title 1">
+            <a:extLst>
+              <a:ext uri="{FF2B5EF4-FFF2-40B4-BE49-F238E27FC236}">
+                <a16:creationId xmlns:a16="http://schemas.microsoft.com/office/drawing/2014/main" id="{0EA6C3E1-8643-468D-A865-3B5D38044E4E}"/>
+              </a:ext>
+            </a:extLst>
+          </p:cNvPr>
+          <p:cNvSpPr>
+            <a:spLocks noGrp="1"/>
+          </p:cNvSpPr>
+          <p:nvPr>
+            <p:ph type="title"/>
+          </p:nvPr>
+        </p:nvSpPr>
+        <p:spPr/>
+        <p:txBody>
+          <a:bodyPr/>
+          <a:lstStyle/>
+          <a:p>
+            <a:r>
+              <a:rPr lang="en-US"/>
+              <a:t>Questions</a:t>
+            </a:r>
+            <a:endParaRPr lang="en-US" dirty="0"/>
+          </a:p>
+        </p:txBody>
+      </p:sp>
+      <p:sp>
+        <p:nvSpPr>
+          <p:cNvPr id="3" name="Content Placeholder 2">
+            <a:extLst>
+              <a:ext uri="{FF2B5EF4-FFF2-40B4-BE49-F238E27FC236}">
+                <a16:creationId xmlns:a16="http://schemas.microsoft.com/office/drawing/2014/main" id="{8FD7F193-0F46-4FCF-8C44-01E7D296447D}"/>
+              </a:ext>
+            </a:extLst>
+          </p:cNvPr>
+          <p:cNvSpPr>
+            <a:spLocks noGrp="1"/>
+          </p:cNvSpPr>
+          <p:nvPr>
+            <p:ph idx="1"/>
+          </p:nvPr>
+        </p:nvSpPr>
+        <p:spPr/>
+        <p:txBody>
+          <a:bodyPr/>
+          <a:lstStyle/>
+          <a:p>
+            <a:r>
+              <a:rPr lang="en-US" sz="1700"/>
+              <a:t>How did COVID-19 affect mortality?</a:t>
+            </a:r>
+          </a:p>
+          <a:p>
+            <a:pPr lvl="1"/>
+            <a:r>
+              <a:rPr lang="en-US" sz="1700"/>
+              <a:t>Overall deaths?</a:t>
+            </a:r>
+          </a:p>
+          <a:p>
+            <a:pPr lvl="1"/>
+            <a:r>
+              <a:rPr lang="en-US" sz="1700"/>
+              <a:t>Accident-related deaths?</a:t>
+            </a:r>
+          </a:p>
+          <a:p>
+            <a:pPr lvl="1"/>
+            <a:r>
+              <a:rPr lang="en-US" sz="1700"/>
+              <a:t>Suicide-related deaths?</a:t>
+            </a:r>
+          </a:p>
+          <a:p>
+            <a:r>
+              <a:rPr lang="en-US" sz="1700"/>
+              <a:t>How did COVID-19 affect fertility?</a:t>
+            </a:r>
+            <a:endParaRPr lang="en-US" sz="1700" dirty="0"/>
+          </a:p>
+        </p:txBody>
+      </p:sp>
+    </p:spTree>
+    <p:extLst>
+      <p:ext uri="{BB962C8B-B14F-4D97-AF65-F5344CB8AC3E}">
+        <p14:creationId xmlns:p14="http://schemas.microsoft.com/office/powerpoint/2010/main" val="3321203254"/>
+      </p:ext>
+    </p:extLst>
+  </p:cSld>
+  <p:clrMapOvr>
+    <a:masterClrMapping/>
+  </p:clrMapOvr>
+  <mc:AlternateContent xmlns:mc="http://schemas.openxmlformats.org/markup-compatibility/2006">
+    <mc:Choice xmlns:p14="http://schemas.microsoft.com/office/powerpoint/2010/main" Requires="p14">
+      <p:transition spd="slow" p14:dur="2000" advTm="20000"/>
+    </mc:Choice>
+    <mc:Fallback>
+      <p:transition spd="slow" advTm="20000"/>
+    </mc:Fallback>
+  </mc:AlternateContent>
+</p:sld>
+</file>
+
+<file path=ppt/slides/slide3.xml><?xml version="1.0" encoding="utf-8"?>
 <p:sld xmlns:a="http://schemas.openxmlformats.org/drawingml/2006/main" xmlns:r="http://schemas.openxmlformats.org/officeDocument/2006/relationships" xmlns:p="http://schemas.openxmlformats.org/presentationml/2006/main">
   <p:cSld>
     <p:bg>
@@ -4071,12 +5213,127 @@
           <a:chExt cx="0" cy="0"/>
         </a:xfrm>
       </p:grpSpPr>
+      <p:sp useBgFill="1">
+        <p:nvSpPr>
+          <p:cNvPr id="76" name="Rectangle 75">
+            <a:extLst>
+              <a:ext uri="{FF2B5EF4-FFF2-40B4-BE49-F238E27FC236}">
+                <a16:creationId xmlns:a16="http://schemas.microsoft.com/office/drawing/2014/main" id="{990D0034-F768-41E7-85D4-F38C4DE85770}"/>
+              </a:ext>
+              <a:ext uri="{C183D7F6-B498-43B3-948B-1728B52AA6E4}">
+                <adec:decorative xmlns:adec="http://schemas.microsoft.com/office/drawing/2017/decorative" val="1"/>
+              </a:ext>
+            </a:extLst>
+          </p:cNvPr>
+          <p:cNvSpPr>
+            <a:spLocks noGrp="1" noRot="1" noChangeAspect="1" noMove="1" noResize="1" noEditPoints="1" noAdjustHandles="1" noChangeArrowheads="1" noChangeShapeType="1" noTextEdit="1"/>
+          </p:cNvSpPr>
+          <p:nvPr>
+            <p:extLst>
+              <p:ext uri="{386F3935-93C4-4BCD-93E2-E3B085C9AB24}">
+                <p16:designElem xmlns:p16="http://schemas.microsoft.com/office/powerpoint/2015/main" val="1"/>
+              </p:ext>
+            </p:extLst>
+          </p:nvPr>
+        </p:nvSpPr>
+        <p:spPr>
+          <a:xfrm>
+            <a:off x="0" y="0"/>
+            <a:ext cx="12186315" cy="6858000"/>
+          </a:xfrm>
+          <a:prstGeom prst="rect">
+            <a:avLst/>
+          </a:prstGeom>
+          <a:ln>
+            <a:noFill/>
+          </a:ln>
+        </p:spPr>
+        <p:style>
+          <a:lnRef idx="2">
+            <a:schemeClr val="accent6">
+              <a:shade val="50000"/>
+            </a:schemeClr>
+          </a:lnRef>
+          <a:fillRef idx="1001">
+            <a:schemeClr val="lt1"/>
+          </a:fillRef>
+          <a:effectRef idx="0">
+            <a:schemeClr val="accent6"/>
+          </a:effectRef>
+          <a:fontRef idx="minor">
+            <a:schemeClr val="lt1"/>
+          </a:fontRef>
+        </p:style>
+        <p:txBody>
+          <a:bodyPr rtlCol="0" anchor="ctr"/>
+          <a:lstStyle/>
+          <a:p>
+            <a:pPr algn="ctr"/>
+            <a:endParaRPr lang="en-US"/>
+          </a:p>
+        </p:txBody>
+      </p:sp>
+      <p:sp>
+        <p:nvSpPr>
+          <p:cNvPr id="78" name="Rectangle 77">
+            <a:extLst>
+              <a:ext uri="{FF2B5EF4-FFF2-40B4-BE49-F238E27FC236}">
+                <a16:creationId xmlns:a16="http://schemas.microsoft.com/office/drawing/2014/main" id="{C4F7E42D-8B5A-4FC8-81CD-9E60171F7FA8}"/>
+              </a:ext>
+              <a:ext uri="{C183D7F6-B498-43B3-948B-1728B52AA6E4}">
+                <adec:decorative xmlns:adec="http://schemas.microsoft.com/office/drawing/2017/decorative" val="1"/>
+              </a:ext>
+            </a:extLst>
+          </p:cNvPr>
+          <p:cNvSpPr>
+            <a:spLocks noGrp="1" noRot="1" noChangeAspect="1" noMove="1" noResize="1" noEditPoints="1" noAdjustHandles="1" noChangeArrowheads="1" noChangeShapeType="1" noTextEdit="1"/>
+          </p:cNvSpPr>
+          <p:nvPr>
+            <p:extLst>
+              <p:ext uri="{386F3935-93C4-4BCD-93E2-E3B085C9AB24}">
+                <p16:designElem xmlns:p16="http://schemas.microsoft.com/office/powerpoint/2015/main" val="1"/>
+              </p:ext>
+            </p:extLst>
+          </p:nvPr>
+        </p:nvSpPr>
+        <p:spPr>
+          <a:xfrm>
+            <a:off x="16" y="0"/>
+            <a:ext cx="4050791" cy="6858000"/>
+          </a:xfrm>
+          <a:prstGeom prst="rect">
+            <a:avLst/>
+          </a:prstGeom>
+          <a:solidFill>
+            <a:schemeClr val="accent2"/>
+          </a:solidFill>
+          <a:ln>
+            <a:noFill/>
+          </a:ln>
+        </p:spPr>
+        <p:style>
+          <a:lnRef idx="2">
+            <a:schemeClr val="accent1">
+              <a:shade val="50000"/>
+            </a:schemeClr>
+          </a:lnRef>
+          <a:fillRef idx="1">
+            <a:schemeClr val="accent1"/>
+          </a:fillRef>
+          <a:effectRef idx="0">
+            <a:schemeClr val="accent1"/>
+          </a:effectRef>
+          <a:fontRef idx="minor">
+            <a:schemeClr val="lt1"/>
+          </a:fontRef>
+        </p:style>
+      </p:sp>
       <p:sp>
         <p:nvSpPr>
           <p:cNvPr id="2" name="Title 1">
             <a:extLst>
               <a:ext uri="{FF2B5EF4-FFF2-40B4-BE49-F238E27FC236}">
-                <a16:creationId xmlns:a16="http://schemas.microsoft.com/office/drawing/2014/main" id="{D1D9BC82-D1E5-4A36-8993-554005C619A8}"/>
+                <a16:creationId xmlns:a16="http://schemas.microsoft.com/office/drawing/2014/main" id="{0EA6C3E1-8643-468D-A865-3B5D38044E4E}"/>
               </a:ext>
             </a:extLst>
           </p:cNvPr>
@@ -4089,8 +5346,8 @@
         </p:nvSpPr>
         <p:spPr>
           <a:xfrm>
-            <a:off x="1097280" y="286603"/>
-            <a:ext cx="10058400" cy="1450757"/>
+            <a:off x="492370" y="516835"/>
+            <a:ext cx="3084844" cy="2103875"/>
           </a:xfrm>
         </p:spPr>
         <p:txBody>
@@ -4100,18 +5357,22 @@
           <a:lstStyle/>
           <a:p>
             <a:r>
-              <a:rPr lang="en-US"/>
-              <a:t>Background &amp; Motivation</a:t>
-            </a:r>
-          </a:p>
-        </p:txBody>
-      </p:sp>
-      <p:sp>
-        <p:nvSpPr>
-          <p:cNvPr id="15" name="Content Placeholder 2">
+              <a:rPr lang="en-US" sz="3600">
+                <a:solidFill>
+                  <a:srgbClr val="FFFFFF"/>
+                </a:solidFill>
+              </a:rPr>
+              <a:t>Motivation</a:t>
+            </a:r>
+          </a:p>
+        </p:txBody>
+      </p:sp>
+      <p:sp>
+        <p:nvSpPr>
+          <p:cNvPr id="3" name="Content Placeholder 2">
             <a:extLst>
               <a:ext uri="{FF2B5EF4-FFF2-40B4-BE49-F238E27FC236}">
-                <a16:creationId xmlns:a16="http://schemas.microsoft.com/office/drawing/2014/main" id="{916A4EBE-F54C-4C37-A041-8869BBFBB002}"/>
+                <a16:creationId xmlns:a16="http://schemas.microsoft.com/office/drawing/2014/main" id="{8FD7F193-0F46-4FCF-8C44-01E7D296447D}"/>
               </a:ext>
             </a:extLst>
           </p:cNvPr>
@@ -4124,8 +5385,8 @@
         </p:nvSpPr>
         <p:spPr>
           <a:xfrm>
-            <a:off x="1097279" y="1845734"/>
-            <a:ext cx="6454987" cy="4023360"/>
+            <a:off x="492371" y="2653800"/>
+            <a:ext cx="3084844" cy="3335519"/>
           </a:xfrm>
         </p:spPr>
         <p:txBody>
@@ -4135,79 +5396,55 @@
           <a:lstStyle/>
           <a:p>
             <a:r>
-              <a:rPr lang="en-US" sz="1700"/>
-              <a:t>Orange County, California</a:t>
+              <a:rPr lang="en-US" sz="1500">
+                <a:solidFill>
+                  <a:srgbClr val="FFFFFF"/>
+                </a:solidFill>
+              </a:rPr>
+              <a:t>Lockdowns, lifestyle changes reduced the need and ability to be in potentially dangerous situations.</a:t>
             </a:r>
           </a:p>
           <a:p>
             <a:pPr lvl="1"/>
             <a:r>
-              <a:rPr lang="en-US" sz="1700"/>
-              <a:t>Population of almost 3.2M</a:t>
+              <a:rPr lang="en-US" sz="1500">
+                <a:solidFill>
+                  <a:srgbClr val="FFFFFF"/>
+                </a:solidFill>
+              </a:rPr>
+              <a:t>What happened to the total non-COVID-related deaths?</a:t>
             </a:r>
           </a:p>
           <a:p>
             <a:pPr lvl="1"/>
             <a:r>
-              <a:rPr lang="en-US" sz="1700"/>
-              <a:t>Sixth most-populous county in the US</a:t>
+              <a:rPr lang="en-US" sz="1500">
+                <a:solidFill>
+                  <a:srgbClr val="FFFFFF"/>
+                </a:solidFill>
+              </a:rPr>
+              <a:t>Did the pandemic help?</a:t>
             </a:r>
           </a:p>
           <a:p>
             <a:pPr lvl="1"/>
             <a:r>
-              <a:rPr lang="en-US" sz="1700"/>
-              <a:t>Home to Anaheim, Santa Ana, and Irvine</a:t>
-            </a:r>
-          </a:p>
-          <a:p>
-            <a:r>
-              <a:rPr lang="en-US" sz="1700"/>
-              <a:t>How did COVID-19 affect mortality?</a:t>
-            </a:r>
-          </a:p>
-          <a:p>
-            <a:pPr lvl="1"/>
-            <a:r>
-              <a:rPr lang="en-US" sz="1700"/>
-              <a:t>Did overall non-COVID-related deaths increase or decrease during the pandemic?</a:t>
-            </a:r>
-          </a:p>
-          <a:p>
-            <a:pPr lvl="1"/>
-            <a:r>
-              <a:rPr lang="en-US" sz="1700"/>
-              <a:t>Did overall number of accident-related deaths increase or decrease during the pandemic?</a:t>
-            </a:r>
-          </a:p>
-          <a:p>
-            <a:pPr lvl="1"/>
-            <a:r>
-              <a:rPr lang="en-US" sz="1700"/>
-              <a:t>Did overall suicides increase or decrease during the pandemic?</a:t>
-            </a:r>
-          </a:p>
-          <a:p>
-            <a:r>
-              <a:rPr lang="en-US" sz="1700"/>
-              <a:t>How did COVID-19 affect fertility?</a:t>
-            </a:r>
-          </a:p>
-          <a:p>
-            <a:pPr lvl="1"/>
-            <a:r>
-              <a:rPr lang="en-US" sz="1700"/>
-              <a:t>Did the number of births increase or decrease during the pandemic?</a:t>
+              <a:rPr lang="en-US" sz="1500">
+                <a:solidFill>
+                  <a:srgbClr val="FFFFFF"/>
+                </a:solidFill>
+              </a:rPr>
+              <a:t>What about the mental health crisis?</a:t>
             </a:r>
           </a:p>
         </p:txBody>
       </p:sp>
       <p:pic>
         <p:nvPicPr>
-          <p:cNvPr id="1026" name="Picture 2" descr="Location in the state of California">
+          <p:cNvPr id="7172" name="Picture 4" descr="Disney suffers $1.4bn hit due to coronavirus - BBC News">
             <a:extLst>
               <a:ext uri="{FF2B5EF4-FFF2-40B4-BE49-F238E27FC236}">
-                <a16:creationId xmlns:a16="http://schemas.microsoft.com/office/drawing/2014/main" id="{6580FF6D-85B4-47DA-AAD9-4B87AA545489}"/>
+                <a16:creationId xmlns:a16="http://schemas.microsoft.com/office/drawing/2014/main" id="{A4FF6F1F-D72C-4E4C-B643-AFF74C270911}"/>
               </a:ext>
             </a:extLst>
           </p:cNvPr>
@@ -4224,13 +5461,13 @@
               </a:ext>
             </a:extLst>
           </a:blip>
-          <a:srcRect t="638" r="3" b="2671"/>
+          <a:srcRect l="19141" r="14330"/>
           <a:stretch/>
         </p:blipFill>
         <p:spPr bwMode="auto">
           <a:xfrm>
-            <a:off x="8020570" y="1916318"/>
-            <a:ext cx="3135109" cy="3471012"/>
+            <a:off x="4075043" y="10"/>
+            <a:ext cx="8111272" cy="6857990"/>
           </a:xfrm>
           <a:prstGeom prst="rect">
             <a:avLst/>
@@ -4247,174 +5484,79 @@
           </a:extLst>
         </p:spPr>
       </p:pic>
+      <p:sp>
+        <p:nvSpPr>
+          <p:cNvPr id="80" name="Rectangle 79">
+            <a:extLst>
+              <a:ext uri="{FF2B5EF4-FFF2-40B4-BE49-F238E27FC236}">
+                <a16:creationId xmlns:a16="http://schemas.microsoft.com/office/drawing/2014/main" id="{8C04651D-B9F4-4935-A02D-364153FBDF54}"/>
+              </a:ext>
+              <a:ext uri="{C183D7F6-B498-43B3-948B-1728B52AA6E4}">
+                <adec:decorative xmlns:adec="http://schemas.microsoft.com/office/drawing/2017/decorative" val="1"/>
+              </a:ext>
+            </a:extLst>
+          </p:cNvPr>
+          <p:cNvSpPr>
+            <a:spLocks noGrp="1" noRot="1" noChangeAspect="1" noMove="1" noResize="1" noEditPoints="1" noAdjustHandles="1" noChangeArrowheads="1" noChangeShapeType="1" noTextEdit="1"/>
+          </p:cNvSpPr>
+          <p:nvPr>
+            <p:extLst>
+              <p:ext uri="{386F3935-93C4-4BCD-93E2-E3B085C9AB24}">
+                <p16:designElem xmlns:p16="http://schemas.microsoft.com/office/powerpoint/2015/main" val="1"/>
+              </p:ext>
+            </p:extLst>
+          </p:nvPr>
+        </p:nvSpPr>
+        <p:spPr>
+          <a:xfrm>
+            <a:off x="4040071" y="0"/>
+            <a:ext cx="64008" cy="6858000"/>
+          </a:xfrm>
+          <a:prstGeom prst="rect">
+            <a:avLst/>
+          </a:prstGeom>
+          <a:solidFill>
+            <a:schemeClr val="accent1"/>
+          </a:solidFill>
+          <a:ln>
+            <a:noFill/>
+          </a:ln>
+        </p:spPr>
+        <p:style>
+          <a:lnRef idx="2">
+            <a:schemeClr val="accent1">
+              <a:shade val="50000"/>
+            </a:schemeClr>
+          </a:lnRef>
+          <a:fillRef idx="1">
+            <a:schemeClr val="accent1"/>
+          </a:fillRef>
+          <a:effectRef idx="0">
+            <a:schemeClr val="accent1"/>
+          </a:effectRef>
+          <a:fontRef idx="minor">
+            <a:schemeClr val="lt1"/>
+          </a:fontRef>
+        </p:style>
+      </p:sp>
     </p:spTree>
     <p:extLst>
       <p:ext uri="{BB962C8B-B14F-4D97-AF65-F5344CB8AC3E}">
-        <p14:creationId xmlns:p14="http://schemas.microsoft.com/office/powerpoint/2010/main" val="947969513"/>
+        <p14:creationId xmlns:p14="http://schemas.microsoft.com/office/powerpoint/2010/main" val="2074228585"/>
       </p:ext>
     </p:extLst>
   </p:cSld>
   <p:clrMapOvr>
     <a:masterClrMapping/>
   </p:clrMapOvr>
-  <p:transition advTm="20000"/>
-</p:sld>
-</file>
-
-<file path=ppt/slides/slide3.xml><?xml version="1.0" encoding="utf-8"?>
-<p:sld xmlns:a="http://schemas.openxmlformats.org/drawingml/2006/main" xmlns:r="http://schemas.openxmlformats.org/officeDocument/2006/relationships" xmlns:p="http://schemas.openxmlformats.org/presentationml/2006/main">
-  <p:cSld>
-    <p:spTree>
-      <p:nvGrpSpPr>
-        <p:cNvPr id="1" name=""/>
-        <p:cNvGrpSpPr/>
-        <p:nvPr/>
-      </p:nvGrpSpPr>
-      <p:grpSpPr>
-        <a:xfrm>
-          <a:off x="0" y="0"/>
-          <a:ext cx="0" cy="0"/>
-          <a:chOff x="0" y="0"/>
-          <a:chExt cx="0" cy="0"/>
-        </a:xfrm>
-      </p:grpSpPr>
-      <p:sp>
-        <p:nvSpPr>
-          <p:cNvPr id="2" name="Title 1">
-            <a:extLst>
-              <a:ext uri="{FF2B5EF4-FFF2-40B4-BE49-F238E27FC236}">
-                <a16:creationId xmlns:a16="http://schemas.microsoft.com/office/drawing/2014/main" id="{68F17978-D970-40F9-A7DA-9019088A9A97}"/>
-              </a:ext>
-            </a:extLst>
-          </p:cNvPr>
-          <p:cNvSpPr>
-            <a:spLocks noGrp="1"/>
-          </p:cNvSpPr>
-          <p:nvPr>
-            <p:ph type="title"/>
-          </p:nvPr>
-        </p:nvSpPr>
-        <p:spPr/>
-        <p:txBody>
-          <a:bodyPr/>
-          <a:lstStyle/>
-          <a:p>
-            <a:r>
-              <a:rPr lang="en-US" dirty="0"/>
-              <a:t>Data</a:t>
-            </a:r>
-          </a:p>
-        </p:txBody>
-      </p:sp>
-      <p:sp>
-        <p:nvSpPr>
-          <p:cNvPr id="3" name="Content Placeholder 2">
-            <a:extLst>
-              <a:ext uri="{FF2B5EF4-FFF2-40B4-BE49-F238E27FC236}">
-                <a16:creationId xmlns:a16="http://schemas.microsoft.com/office/drawing/2014/main" id="{25E7B613-CA16-43CD-9E70-1F3DA59AAB0E}"/>
-              </a:ext>
-            </a:extLst>
-          </p:cNvPr>
-          <p:cNvSpPr>
-            <a:spLocks noGrp="1"/>
-          </p:cNvSpPr>
-          <p:nvPr>
-            <p:ph idx="1"/>
-          </p:nvPr>
-        </p:nvSpPr>
-        <p:spPr/>
-        <p:txBody>
-          <a:bodyPr>
-            <a:normAutofit fontScale="92500" lnSpcReduction="10000"/>
-          </a:bodyPr>
-          <a:lstStyle/>
-          <a:p>
-            <a:r>
-              <a:rPr lang="en-US" dirty="0"/>
-              <a:t>Johns Hopkins COVID-19 deaths</a:t>
-            </a:r>
-          </a:p>
-          <a:p>
-            <a:pPr lvl="1"/>
-            <a:r>
-              <a:rPr lang="en-US" dirty="0"/>
-              <a:t>Daily COVID-19 deaths by county</a:t>
-            </a:r>
-          </a:p>
-          <a:p>
-            <a:r>
-              <a:rPr lang="en-US" dirty="0"/>
-              <a:t>Mortality</a:t>
-            </a:r>
-          </a:p>
-          <a:p>
-            <a:pPr lvl="1"/>
-            <a:r>
-              <a:rPr lang="en-US" dirty="0"/>
-              <a:t>California Health &amp; Human Services Data</a:t>
-            </a:r>
-          </a:p>
-          <a:p>
-            <a:pPr lvl="1"/>
-            <a:r>
-              <a:rPr lang="en-US" dirty="0"/>
-              <a:t>Monthly deaths by county and cause, from 1960-2021</a:t>
-            </a:r>
-          </a:p>
-          <a:p>
-            <a:pPr lvl="1"/>
-            <a:r>
-              <a:rPr lang="en-US" dirty="0"/>
-              <a:t>Includes causes such as: Overall, accidents, suicide, assault, and several disease-related categories (Alzheimer’s, diabetes, heart disease, pneumonia &amp; influenza)</a:t>
-            </a:r>
-          </a:p>
-          <a:p>
-            <a:pPr lvl="1"/>
-            <a:r>
-              <a:rPr lang="en-US" dirty="0"/>
-              <a:t>Includes figures based on demographics (gender, race, age, etc.), which was not used due to granularity of COVID-19 data.</a:t>
-            </a:r>
-          </a:p>
-          <a:p>
-            <a:r>
-              <a:rPr lang="en-US" dirty="0"/>
-              <a:t>Fertility</a:t>
-            </a:r>
-          </a:p>
-          <a:p>
-            <a:pPr lvl="1"/>
-            <a:r>
-              <a:rPr lang="en-US" dirty="0"/>
-              <a:t>California Health &amp; Human Services Data</a:t>
-            </a:r>
-          </a:p>
-          <a:p>
-            <a:pPr lvl="1"/>
-            <a:r>
-              <a:rPr lang="en-US" dirty="0"/>
-              <a:t>Monthly deaths by county and cause, from 1960-2021</a:t>
-            </a:r>
-          </a:p>
-          <a:p>
-            <a:pPr lvl="1"/>
-            <a:r>
-              <a:rPr lang="en-US" dirty="0"/>
-              <a:t>Includes figures based on demographics (race, age, etc.) and location (hospital, free-standing clinic, home, etc.) which was not used.</a:t>
-            </a:r>
-          </a:p>
-        </p:txBody>
-      </p:sp>
-    </p:spTree>
-    <p:extLst>
-      <p:ext uri="{BB962C8B-B14F-4D97-AF65-F5344CB8AC3E}">
-        <p14:creationId xmlns:p14="http://schemas.microsoft.com/office/powerpoint/2010/main" val="2631883483"/>
-      </p:ext>
-    </p:extLst>
-  </p:cSld>
-  <p:clrMapOvr>
-    <a:masterClrMapping/>
-  </p:clrMapOvr>
-  <p:transition advTm="20000"/>
+  <mc:AlternateContent xmlns:mc="http://schemas.openxmlformats.org/markup-compatibility/2006">
+    <mc:Choice xmlns:p14="http://schemas.microsoft.com/office/powerpoint/2010/main" Requires="p14">
+      <p:transition spd="slow" p14:dur="2000" advTm="20000"/>
+    </mc:Choice>
+    <mc:Fallback>
+      <p:transition spd="slow" advTm="20000"/>
+    </mc:Fallback>
+  </mc:AlternateContent>
 </p:sld>
 </file>
 
@@ -4445,10 +5587,10 @@
       </p:grpSpPr>
       <p:sp useBgFill="1">
         <p:nvSpPr>
-          <p:cNvPr id="24" name="Rectangle 23">
+          <p:cNvPr id="71" name="Rectangle 70">
             <a:extLst>
               <a:ext uri="{FF2B5EF4-FFF2-40B4-BE49-F238E27FC236}">
-                <a16:creationId xmlns:a16="http://schemas.microsoft.com/office/drawing/2014/main" id="{E5958DBC-F4DA-42A8-8C52-860179790ECD}"/>
+                <a16:creationId xmlns:a16="http://schemas.microsoft.com/office/drawing/2014/main" id="{990D0034-F768-41E7-85D4-F38C4DE85770}"/>
               </a:ext>
               <a:ext uri="{C183D7F6-B498-43B3-948B-1728B52AA6E4}">
                 <adec:decorative xmlns:adec="http://schemas.microsoft.com/office/drawing/2017/decorative" val="1"/>
@@ -4469,11 +5611,74 @@
         <p:spPr>
           <a:xfrm>
             <a:off x="0" y="0"/>
-            <a:ext cx="12192001" cy="6334316"/>
+            <a:ext cx="12186315" cy="6858000"/>
           </a:xfrm>
           <a:prstGeom prst="rect">
             <a:avLst/>
           </a:prstGeom>
+          <a:ln>
+            <a:noFill/>
+          </a:ln>
+        </p:spPr>
+        <p:style>
+          <a:lnRef idx="2">
+            <a:schemeClr val="accent6">
+              <a:shade val="50000"/>
+            </a:schemeClr>
+          </a:lnRef>
+          <a:fillRef idx="1001">
+            <a:schemeClr val="lt1"/>
+          </a:fillRef>
+          <a:effectRef idx="0">
+            <a:schemeClr val="accent6"/>
+          </a:effectRef>
+          <a:fontRef idx="minor">
+            <a:schemeClr val="lt1"/>
+          </a:fontRef>
+        </p:style>
+        <p:txBody>
+          <a:bodyPr rtlCol="0" anchor="ctr"/>
+          <a:lstStyle/>
+          <a:p>
+            <a:pPr algn="ctr"/>
+            <a:endParaRPr lang="en-US"/>
+          </a:p>
+        </p:txBody>
+      </p:sp>
+      <p:sp>
+        <p:nvSpPr>
+          <p:cNvPr id="73" name="Rectangle 72">
+            <a:extLst>
+              <a:ext uri="{FF2B5EF4-FFF2-40B4-BE49-F238E27FC236}">
+                <a16:creationId xmlns:a16="http://schemas.microsoft.com/office/drawing/2014/main" id="{C4F7E42D-8B5A-4FC8-81CD-9E60171F7FA8}"/>
+              </a:ext>
+              <a:ext uri="{C183D7F6-B498-43B3-948B-1728B52AA6E4}">
+                <adec:decorative xmlns:adec="http://schemas.microsoft.com/office/drawing/2017/decorative" val="1"/>
+              </a:ext>
+            </a:extLst>
+          </p:cNvPr>
+          <p:cNvSpPr>
+            <a:spLocks noGrp="1" noRot="1" noChangeAspect="1" noMove="1" noResize="1" noEditPoints="1" noAdjustHandles="1" noChangeArrowheads="1" noChangeShapeType="1" noTextEdit="1"/>
+          </p:cNvSpPr>
+          <p:nvPr>
+            <p:extLst>
+              <p:ext uri="{386F3935-93C4-4BCD-93E2-E3B085C9AB24}">
+                <p16:designElem xmlns:p16="http://schemas.microsoft.com/office/powerpoint/2015/main" val="1"/>
+              </p:ext>
+            </p:extLst>
+          </p:nvPr>
+        </p:nvSpPr>
+        <p:spPr>
+          <a:xfrm>
+            <a:off x="16" y="0"/>
+            <a:ext cx="4050791" cy="6858000"/>
+          </a:xfrm>
+          <a:prstGeom prst="rect">
+            <a:avLst/>
+          </a:prstGeom>
+          <a:solidFill>
+            <a:schemeClr val="accent2"/>
+          </a:solidFill>
           <a:ln>
             <a:noFill/>
           </a:ln>
@@ -4494,21 +5699,13 @@
             <a:schemeClr val="lt1"/>
           </a:fontRef>
         </p:style>
-        <p:txBody>
-          <a:bodyPr rtlCol="0" anchor="ctr"/>
-          <a:lstStyle/>
-          <a:p>
-            <a:pPr algn="ctr"/>
-            <a:endParaRPr lang="en-US"/>
-          </a:p>
-        </p:txBody>
       </p:sp>
       <p:sp>
         <p:nvSpPr>
           <p:cNvPr id="2" name="Title 1">
             <a:extLst>
               <a:ext uri="{FF2B5EF4-FFF2-40B4-BE49-F238E27FC236}">
-                <a16:creationId xmlns:a16="http://schemas.microsoft.com/office/drawing/2014/main" id="{7D18369F-C022-41BA-8D4A-3E9A99019E83}"/>
+                <a16:creationId xmlns:a16="http://schemas.microsoft.com/office/drawing/2014/main" id="{0EA6C3E1-8643-468D-A865-3B5D38044E4E}"/>
               </a:ext>
             </a:extLst>
           </p:cNvPr>
@@ -4521,90 +5718,77 @@
         </p:nvSpPr>
         <p:spPr>
           <a:xfrm>
-            <a:off x="6576548" y="634946"/>
-            <a:ext cx="4973193" cy="1450757"/>
+            <a:off x="492370" y="516835"/>
+            <a:ext cx="3084844" cy="2103875"/>
           </a:xfrm>
         </p:spPr>
         <p:txBody>
           <a:bodyPr>
-            <a:normAutofit fontScale="90000"/>
+            <a:normAutofit/>
           </a:bodyPr>
           <a:lstStyle/>
           <a:p>
             <a:r>
-              <a:rPr lang="en-US" dirty="0"/>
-              <a:t>Data Preparation: Seasonal adjustment</a:t>
-            </a:r>
-          </a:p>
-        </p:txBody>
-      </p:sp>
-      <p:cxnSp>
-        <p:nvCxnSpPr>
-          <p:cNvPr id="26" name="Straight Connector 25">
+              <a:rPr lang="en-US" sz="3600">
+                <a:solidFill>
+                  <a:srgbClr val="FFFFFF"/>
+                </a:solidFill>
+              </a:rPr>
+              <a:t>Motivation (cont.)</a:t>
+            </a:r>
+          </a:p>
+        </p:txBody>
+      </p:sp>
+      <p:sp>
+        <p:nvSpPr>
+          <p:cNvPr id="3" name="Content Placeholder 2">
             <a:extLst>
               <a:ext uri="{FF2B5EF4-FFF2-40B4-BE49-F238E27FC236}">
-                <a16:creationId xmlns:a16="http://schemas.microsoft.com/office/drawing/2014/main" id="{79FCC9A9-2031-4283-9B27-34B62BB7F305}"/>
-              </a:ext>
-              <a:ext uri="{C183D7F6-B498-43B3-948B-1728B52AA6E4}">
-                <adec:decorative xmlns:adec="http://schemas.microsoft.com/office/drawing/2017/decorative" val="1"/>
+                <a16:creationId xmlns:a16="http://schemas.microsoft.com/office/drawing/2014/main" id="{8FD7F193-0F46-4FCF-8C44-01E7D296447D}"/>
               </a:ext>
             </a:extLst>
           </p:cNvPr>
-          <p:cNvCxnSpPr>
-            <a:cxnSpLocks noGrp="1" noRot="1" noChangeAspect="1" noMove="1" noResize="1" noEditPoints="1" noAdjustHandles="1" noChangeArrowheads="1" noChangeShapeType="1"/>
-          </p:cNvCxnSpPr>
-          <p:nvPr>
-            <p:extLst>
-              <p:ext uri="{386F3935-93C4-4BCD-93E2-E3B085C9AB24}">
-                <p16:designElem xmlns:p16="http://schemas.microsoft.com/office/powerpoint/2015/main" val="1"/>
-              </p:ext>
-            </p:extLst>
-          </p:nvPr>
-        </p:nvCxnSpPr>
+          <p:cNvSpPr>
+            <a:spLocks noGrp="1"/>
+          </p:cNvSpPr>
+          <p:nvPr>
+            <p:ph idx="1"/>
+          </p:nvPr>
+        </p:nvSpPr>
         <p:spPr>
           <a:xfrm>
-            <a:off x="5181247" y="2086188"/>
-            <a:ext cx="5852160" cy="0"/>
+            <a:off x="492371" y="2653800"/>
+            <a:ext cx="3084844" cy="3335519"/>
           </a:xfrm>
-          <a:prstGeom prst="line">
-            <a:avLst/>
-          </a:prstGeom>
-          <a:ln w="6350">
-            <a:solidFill>
-              <a:schemeClr val="tx1">
-                <a:lumMod val="50000"/>
-                <a:lumOff val="50000"/>
-                <a:alpha val="90000"/>
-              </a:schemeClr>
-            </a:solidFill>
-          </a:ln>
         </p:spPr>
-        <p:style>
-          <a:lnRef idx="1">
-            <a:schemeClr val="accent1"/>
-          </a:lnRef>
-          <a:fillRef idx="0">
-            <a:schemeClr val="accent1"/>
-          </a:fillRef>
-          <a:effectRef idx="0">
-            <a:schemeClr val="accent1"/>
-          </a:effectRef>
-          <a:fontRef idx="minor">
-            <a:schemeClr val="tx1"/>
-          </a:fontRef>
-        </p:style>
-      </p:cxnSp>
+        <p:txBody>
+          <a:bodyPr>
+            <a:normAutofit/>
+          </a:bodyPr>
+          <a:lstStyle/>
+          <a:p>
+            <a:r>
+              <a:rPr lang="en-US" sz="1500">
+                <a:solidFill>
+                  <a:srgbClr val="FFFFFF"/>
+                </a:solidFill>
+              </a:rPr>
+              <a:t>People may have changed their family planning strategies, perhaps due to lack of confidence in the future, or perhaps greater work flexibility sped up plans.</a:t>
+            </a:r>
+          </a:p>
+        </p:txBody>
+      </p:sp>
       <p:pic>
         <p:nvPicPr>
-          <p:cNvPr id="8" name="Picture 7" descr="Chart, line chart&#10;&#10;Description automatically generated">
+          <p:cNvPr id="9218" name="Picture 2" descr="Working From Home Around the World - Steelcase">
             <a:extLst>
               <a:ext uri="{FF2B5EF4-FFF2-40B4-BE49-F238E27FC236}">
-                <a16:creationId xmlns:a16="http://schemas.microsoft.com/office/drawing/2014/main" id="{5A88B690-81DA-406E-8B60-4845E38E401C}"/>
+                <a16:creationId xmlns:a16="http://schemas.microsoft.com/office/drawing/2014/main" id="{B015AB63-79C6-46C7-BB75-1CFD30E4B789}"/>
               </a:ext>
             </a:extLst>
           </p:cNvPr>
           <p:cNvPicPr>
-            <a:picLocks noChangeAspect="1"/>
+            <a:picLocks noChangeAspect="1" noChangeArrowheads="1"/>
           </p:cNvPicPr>
           <p:nvPr/>
         </p:nvPicPr>
@@ -4616,101 +5800,35 @@
               </a:ext>
             </a:extLst>
           </a:blip>
-          <a:srcRect l="8438" t="5625" r="9503" b="7653"/>
+          <a:srcRect l="28710" r="4760"/>
           <a:stretch/>
         </p:blipFill>
-        <p:spPr>
+        <p:spPr bwMode="auto">
           <a:xfrm>
-            <a:off x="333376" y="3225505"/>
-            <a:ext cx="5600912" cy="2959590"/>
+            <a:off x="4075043" y="10"/>
+            <a:ext cx="8111272" cy="6857990"/>
           </a:xfrm>
           <a:prstGeom prst="rect">
             <a:avLst/>
           </a:prstGeom>
+          <a:noFill/>
+          <a:extLst>
+            <a:ext uri="{909E8E84-426E-40DD-AFC4-6F175D3DCCD1}">
+              <a14:hiddenFill xmlns:a14="http://schemas.microsoft.com/office/drawing/2010/main">
+                <a:solidFill>
+                  <a:srgbClr val="FFFFFF"/>
+                </a:solidFill>
+              </a14:hiddenFill>
+            </a:ext>
+          </a:extLst>
         </p:spPr>
       </p:pic>
       <p:sp>
         <p:nvSpPr>
-          <p:cNvPr id="10" name="Content Placeholder 9">
+          <p:cNvPr id="75" name="Rectangle 74">
             <a:extLst>
               <a:ext uri="{FF2B5EF4-FFF2-40B4-BE49-F238E27FC236}">
-                <a16:creationId xmlns:a16="http://schemas.microsoft.com/office/drawing/2014/main" id="{FA3A787D-B53F-4F37-A7F1-D686C37BD303}"/>
-              </a:ext>
-            </a:extLst>
-          </p:cNvPr>
-          <p:cNvSpPr>
-            <a:spLocks noGrp="1"/>
-          </p:cNvSpPr>
-          <p:nvPr>
-            <p:ph idx="1"/>
-          </p:nvPr>
-        </p:nvSpPr>
-        <p:spPr>
-          <a:xfrm>
-            <a:off x="6576550" y="2198914"/>
-            <a:ext cx="4973192" cy="3670180"/>
-          </a:xfrm>
-        </p:spPr>
-        <p:txBody>
-          <a:bodyPr>
-            <a:normAutofit lnSpcReduction="10000"/>
-          </a:bodyPr>
-          <a:lstStyle/>
-          <a:p>
-            <a:r>
-              <a:rPr lang="en-US" dirty="0"/>
-              <a:t>Top graph is raw births and non-COVID deaths.</a:t>
-            </a:r>
-          </a:p>
-          <a:p>
-            <a:pPr lvl="1"/>
-            <a:r>
-              <a:rPr lang="en-US" dirty="0"/>
-              <a:t>Births tend to be highest in late summer/early autumn</a:t>
-            </a:r>
-          </a:p>
-          <a:p>
-            <a:pPr lvl="1"/>
-            <a:r>
-              <a:rPr lang="en-US" dirty="0"/>
-              <a:t>Deaths tend to be highest in the winter months January and December</a:t>
-            </a:r>
-          </a:p>
-          <a:p>
-            <a:r>
-              <a:rPr lang="en-US" dirty="0"/>
-              <a:t>Bottom graph is seasonally-adjusted births and non-COVID deaths.</a:t>
-            </a:r>
-          </a:p>
-          <a:p>
-            <a:pPr lvl="1"/>
-            <a:r>
-              <a:rPr lang="en-US" dirty="0"/>
-              <a:t>Births do seem to be trending lower pre-pandemic, and are noticeably lower during.</a:t>
-            </a:r>
-          </a:p>
-          <a:p>
-            <a:pPr lvl="1"/>
-            <a:r>
-              <a:rPr lang="en-US" dirty="0"/>
-              <a:t>Deaths do not have a noticeable trend, but do become much more volatile.</a:t>
-            </a:r>
-          </a:p>
-          <a:p>
-            <a:r>
-              <a:rPr lang="en-US" sz="1200" dirty="0"/>
-              <a:t>*Data is from Jan 2014 – October 2021.</a:t>
-            </a:r>
-            <a:endParaRPr lang="en-US" dirty="0"/>
-          </a:p>
-        </p:txBody>
-      </p:sp>
-      <p:sp>
-        <p:nvSpPr>
-          <p:cNvPr id="28" name="Rectangle 27">
-            <a:extLst>
-              <a:ext uri="{FF2B5EF4-FFF2-40B4-BE49-F238E27FC236}">
-                <a16:creationId xmlns:a16="http://schemas.microsoft.com/office/drawing/2014/main" id="{51DDD252-D7C8-4CE5-9C61-D60D722BC217}"/>
+                <a16:creationId xmlns:a16="http://schemas.microsoft.com/office/drawing/2014/main" id="{8C04651D-B9F4-4935-A02D-364153FBDF54}"/>
               </a:ext>
               <a:ext uri="{C183D7F6-B498-43B3-948B-1728B52AA6E4}">
                 <adec:decorative xmlns:adec="http://schemas.microsoft.com/office/drawing/2017/decorative" val="1"/>
@@ -4730,8 +5848,8 @@
         </p:nvSpPr>
         <p:spPr>
           <a:xfrm>
-            <a:off x="15" y="6334316"/>
-            <a:ext cx="12191985" cy="66484"/>
+            <a:off x="4040071" y="0"/>
+            <a:ext cx="64008" cy="6858000"/>
           </a:xfrm>
           <a:prstGeom prst="rect">
             <a:avLst/>
@@ -4760,100 +5878,160 @@
           </a:fontRef>
         </p:style>
       </p:sp>
-      <p:sp>
-        <p:nvSpPr>
-          <p:cNvPr id="30" name="Rectangle 29">
+    </p:spTree>
+    <p:extLst>
+      <p:ext uri="{BB962C8B-B14F-4D97-AF65-F5344CB8AC3E}">
+        <p14:creationId xmlns:p14="http://schemas.microsoft.com/office/powerpoint/2010/main" val="2241879444"/>
+      </p:ext>
+    </p:extLst>
+  </p:cSld>
+  <p:clrMapOvr>
+    <a:masterClrMapping/>
+  </p:clrMapOvr>
+  <mc:AlternateContent xmlns:mc="http://schemas.openxmlformats.org/markup-compatibility/2006">
+    <mc:Choice xmlns:p14="http://schemas.microsoft.com/office/powerpoint/2010/main" Requires="p14">
+      <p:transition spd="slow" p14:dur="2000" advTm="20000"/>
+    </mc:Choice>
+    <mc:Fallback>
+      <p:transition spd="slow" advTm="20000"/>
+    </mc:Fallback>
+  </mc:AlternateContent>
+</p:sld>
+</file>
+
+<file path=ppt/slides/slide5.xml><?xml version="1.0" encoding="utf-8"?>
+<p:sld xmlns:a="http://schemas.openxmlformats.org/drawingml/2006/main" xmlns:r="http://schemas.openxmlformats.org/officeDocument/2006/relationships" xmlns:p="http://schemas.openxmlformats.org/presentationml/2006/main">
+  <p:cSld>
+    <p:spTree>
+      <p:nvGrpSpPr>
+        <p:cNvPr id="1" name=""/>
+        <p:cNvGrpSpPr/>
+        <p:nvPr/>
+      </p:nvGrpSpPr>
+      <p:grpSpPr>
+        <a:xfrm>
+          <a:off x="0" y="0"/>
+          <a:ext cx="0" cy="0"/>
+          <a:chOff x="0" y="0"/>
+          <a:chExt cx="0" cy="0"/>
+        </a:xfrm>
+      </p:grpSpPr>
+      <p:sp>
+        <p:nvSpPr>
+          <p:cNvPr id="2" name="Title 1">
             <a:extLst>
               <a:ext uri="{FF2B5EF4-FFF2-40B4-BE49-F238E27FC236}">
-                <a16:creationId xmlns:a16="http://schemas.microsoft.com/office/drawing/2014/main" id="{2FBD75F5-C49C-4F6A-8D43-7A5939C23307}"/>
-              </a:ext>
-              <a:ext uri="{C183D7F6-B498-43B3-948B-1728B52AA6E4}">
-                <adec:decorative xmlns:adec="http://schemas.microsoft.com/office/drawing/2017/decorative" val="1"/>
+                <a16:creationId xmlns:a16="http://schemas.microsoft.com/office/drawing/2014/main" id="{68F17978-D970-40F9-A7DA-9019088A9A97}"/>
               </a:ext>
             </a:extLst>
           </p:cNvPr>
           <p:cNvSpPr>
-            <a:spLocks noGrp="1" noRot="1" noChangeAspect="1" noMove="1" noResize="1" noEditPoints="1" noAdjustHandles="1" noChangeArrowheads="1" noChangeShapeType="1" noTextEdit="1"/>
-          </p:cNvSpPr>
-          <p:nvPr>
-            <p:extLst>
-              <p:ext uri="{386F3935-93C4-4BCD-93E2-E3B085C9AB24}">
-                <p16:designElem xmlns:p16="http://schemas.microsoft.com/office/powerpoint/2015/main" val="1"/>
-              </p:ext>
-            </p:extLst>
-          </p:nvPr>
-        </p:nvSpPr>
-        <p:spPr>
-          <a:xfrm>
-            <a:off x="1" y="6400800"/>
-            <a:ext cx="12192000" cy="457200"/>
-          </a:xfrm>
-          <a:prstGeom prst="rect">
-            <a:avLst/>
-          </a:prstGeom>
-          <a:solidFill>
-            <a:schemeClr val="accent2"/>
-          </a:solidFill>
-          <a:ln>
-            <a:noFill/>
-          </a:ln>
-        </p:spPr>
-        <p:style>
-          <a:lnRef idx="2">
-            <a:schemeClr val="accent1">
-              <a:shade val="50000"/>
-            </a:schemeClr>
-          </a:lnRef>
-          <a:fillRef idx="1">
-            <a:schemeClr val="accent1"/>
-          </a:fillRef>
-          <a:effectRef idx="0">
-            <a:schemeClr val="accent1"/>
-          </a:effectRef>
-          <a:fontRef idx="minor">
-            <a:schemeClr val="lt1"/>
-          </a:fontRef>
-        </p:style>
-      </p:sp>
-      <p:pic>
-        <p:nvPicPr>
-          <p:cNvPr id="11" name="Picture 10" descr="A picture containing chart&#10;&#10;Description automatically generated">
+            <a:spLocks noGrp="1"/>
+          </p:cNvSpPr>
+          <p:nvPr>
+            <p:ph type="title"/>
+          </p:nvPr>
+        </p:nvSpPr>
+        <p:spPr/>
+        <p:txBody>
+          <a:bodyPr/>
+          <a:lstStyle/>
+          <a:p>
+            <a:r>
+              <a:rPr lang="en-US" dirty="0"/>
+              <a:t>Data</a:t>
+            </a:r>
+          </a:p>
+        </p:txBody>
+      </p:sp>
+      <p:sp>
+        <p:nvSpPr>
+          <p:cNvPr id="3" name="Content Placeholder 2">
             <a:extLst>
               <a:ext uri="{FF2B5EF4-FFF2-40B4-BE49-F238E27FC236}">
-                <a16:creationId xmlns:a16="http://schemas.microsoft.com/office/drawing/2014/main" id="{346BA610-450D-4622-A3FE-61A0C7EA55AA}"/>
+                <a16:creationId xmlns:a16="http://schemas.microsoft.com/office/drawing/2014/main" id="{25E7B613-CA16-43CD-9E70-1F3DA59AAB0E}"/>
               </a:ext>
             </a:extLst>
           </p:cNvPr>
-          <p:cNvPicPr>
-            <a:picLocks noChangeAspect="1"/>
-          </p:cNvPicPr>
-          <p:nvPr/>
-        </p:nvPicPr>
-        <p:blipFill rotWithShape="1">
-          <a:blip r:embed="rId3">
-            <a:extLst>
-              <a:ext uri="{28A0092B-C50C-407E-A947-70E740481C1C}">
-                <a14:useLocalDpi xmlns:a14="http://schemas.microsoft.com/office/drawing/2010/main" val="0"/>
-              </a:ext>
-            </a:extLst>
-          </a:blip>
-          <a:srcRect l="8272" t="5191" r="8887" b="6627"/>
-          <a:stretch/>
-        </p:blipFill>
-        <p:spPr>
-          <a:xfrm>
-            <a:off x="333374" y="96774"/>
-            <a:ext cx="5600913" cy="2981009"/>
-          </a:xfrm>
-          <a:prstGeom prst="rect">
-            <a:avLst/>
-          </a:prstGeom>
-        </p:spPr>
-      </p:pic>
+          <p:cNvSpPr>
+            <a:spLocks noGrp="1"/>
+          </p:cNvSpPr>
+          <p:nvPr>
+            <p:ph idx="1"/>
+          </p:nvPr>
+        </p:nvSpPr>
+        <p:spPr/>
+        <p:txBody>
+          <a:bodyPr>
+            <a:normAutofit/>
+          </a:bodyPr>
+          <a:lstStyle/>
+          <a:p>
+            <a:r>
+              <a:rPr lang="en-US" dirty="0"/>
+              <a:t>Johns Hopkins COVID-19 deaths</a:t>
+            </a:r>
+          </a:p>
+          <a:p>
+            <a:pPr lvl="1"/>
+            <a:r>
+              <a:rPr lang="en-US" dirty="0"/>
+              <a:t>Daily COVID-19 deaths by county</a:t>
+            </a:r>
+          </a:p>
+          <a:p>
+            <a:r>
+              <a:rPr lang="en-US" dirty="0"/>
+              <a:t>Mortality</a:t>
+            </a:r>
+          </a:p>
+          <a:p>
+            <a:pPr lvl="1"/>
+            <a:r>
+              <a:rPr lang="en-US" dirty="0"/>
+              <a:t>California Health &amp; Human Services Data</a:t>
+            </a:r>
+          </a:p>
+          <a:p>
+            <a:pPr lvl="1"/>
+            <a:r>
+              <a:rPr lang="en-US" dirty="0"/>
+              <a:t>Monthly deaths by county and cause, from 1960-2021</a:t>
+            </a:r>
+          </a:p>
+          <a:p>
+            <a:pPr lvl="1"/>
+            <a:r>
+              <a:rPr lang="en-US" dirty="0"/>
+              <a:t>Includes causes such as: Overall, accidents, suicide, assault, and several disease-related categories (Alzheimer’s, diabetes, heart disease, pneumonia &amp; influenza)</a:t>
+            </a:r>
+          </a:p>
+          <a:p>
+            <a:r>
+              <a:rPr lang="en-US" dirty="0"/>
+              <a:t>Fertility</a:t>
+            </a:r>
+          </a:p>
+          <a:p>
+            <a:pPr lvl="1"/>
+            <a:r>
+              <a:rPr lang="en-US" dirty="0"/>
+              <a:t>California Health &amp; Human Services Data</a:t>
+            </a:r>
+          </a:p>
+          <a:p>
+            <a:pPr lvl="1"/>
+            <a:r>
+              <a:rPr lang="en-US" dirty="0"/>
+              <a:t>Monthly births by county, from 1960-2021</a:t>
+            </a:r>
+          </a:p>
+        </p:txBody>
+      </p:sp>
     </p:spTree>
     <p:extLst>
       <p:ext uri="{BB962C8B-B14F-4D97-AF65-F5344CB8AC3E}">
-        <p14:creationId xmlns:p14="http://schemas.microsoft.com/office/powerpoint/2010/main" val="11525361"/>
+        <p14:creationId xmlns:p14="http://schemas.microsoft.com/office/powerpoint/2010/main" val="2631883483"/>
       </p:ext>
     </p:extLst>
   </p:cSld>
@@ -4864,7 +6042,7 @@
 </p:sld>
 </file>
 
-<file path=ppt/slides/slide5.xml><?xml version="1.0" encoding="utf-8"?>
+<file path=ppt/slides/slide6.xml><?xml version="1.0" encoding="utf-8"?>
 <p:sld xmlns:a="http://schemas.openxmlformats.org/drawingml/2006/main" xmlns:r="http://schemas.openxmlformats.org/officeDocument/2006/relationships" xmlns:p="http://schemas.openxmlformats.org/presentationml/2006/main">
   <p:cSld>
     <p:bg>
@@ -4889,117 +6067,21 @@
           <a:chExt cx="0" cy="0"/>
         </a:xfrm>
       </p:grpSpPr>
-      <p:sp useBgFill="1">
-        <p:nvSpPr>
-          <p:cNvPr id="30" name="Rectangle 21">
+      <p:pic>
+        <p:nvPicPr>
+          <p:cNvPr id="3078" name="Picture 6">
             <a:extLst>
               <a:ext uri="{FF2B5EF4-FFF2-40B4-BE49-F238E27FC236}">
-                <a16:creationId xmlns:a16="http://schemas.microsoft.com/office/drawing/2014/main" id="{52ABB703-2B0E-4C3B-B4A2-F3973548E561}"/>
-              </a:ext>
-              <a:ext uri="{C183D7F6-B498-43B3-948B-1728B52AA6E4}">
-                <adec:decorative xmlns:adec="http://schemas.microsoft.com/office/drawing/2017/decorative" val="1"/>
-              </a:ext>
-            </a:extLst>
-          </p:cNvPr>
-          <p:cNvSpPr>
-            <a:spLocks noGrp="1" noRot="1" noChangeAspect="1" noMove="1" noResize="1" noEditPoints="1" noAdjustHandles="1" noChangeArrowheads="1" noChangeShapeType="1" noTextEdit="1"/>
-          </p:cNvSpPr>
-          <p:nvPr>
-            <p:extLst>
-              <p:ext uri="{386F3935-93C4-4BCD-93E2-E3B085C9AB24}">
-                <p16:designElem xmlns:p16="http://schemas.microsoft.com/office/powerpoint/2015/main" val="1"/>
-              </p:ext>
-            </p:extLst>
-          </p:nvPr>
-        </p:nvSpPr>
-        <p:spPr>
-          <a:xfrm>
-            <a:off x="0" y="0"/>
-            <a:ext cx="12192001" cy="6334316"/>
-          </a:xfrm>
-          <a:prstGeom prst="rect">
-            <a:avLst/>
-          </a:prstGeom>
-          <a:ln>
-            <a:noFill/>
-          </a:ln>
-        </p:spPr>
-        <p:style>
-          <a:lnRef idx="2">
-            <a:schemeClr val="accent1">
-              <a:shade val="50000"/>
-            </a:schemeClr>
-          </a:lnRef>
-          <a:fillRef idx="1">
-            <a:schemeClr val="accent1"/>
-          </a:fillRef>
-          <a:effectRef idx="0">
-            <a:schemeClr val="accent1"/>
-          </a:effectRef>
-          <a:fontRef idx="minor">
-            <a:schemeClr val="lt1"/>
-          </a:fontRef>
-        </p:style>
-        <p:txBody>
-          <a:bodyPr rtlCol="0" anchor="ctr"/>
-          <a:lstStyle/>
-          <a:p>
-            <a:pPr algn="ctr"/>
-            <a:endParaRPr lang="en-US"/>
-          </a:p>
-        </p:txBody>
-      </p:sp>
-      <p:sp>
-        <p:nvSpPr>
-          <p:cNvPr id="2" name="Title 1">
-            <a:extLst>
-              <a:ext uri="{FF2B5EF4-FFF2-40B4-BE49-F238E27FC236}">
-                <a16:creationId xmlns:a16="http://schemas.microsoft.com/office/drawing/2014/main" id="{7D18369F-C022-41BA-8D4A-3E9A99019E83}"/>
-              </a:ext>
-            </a:extLst>
-          </p:cNvPr>
-          <p:cNvSpPr>
-            <a:spLocks noGrp="1"/>
-          </p:cNvSpPr>
-          <p:nvPr>
-            <p:ph type="title"/>
-          </p:nvPr>
-        </p:nvSpPr>
-        <p:spPr>
-          <a:xfrm>
-            <a:off x="6411685" y="634946"/>
-            <a:ext cx="5127171" cy="1450757"/>
-          </a:xfrm>
-        </p:spPr>
-        <p:txBody>
-          <a:bodyPr>
-            <a:normAutofit/>
-          </a:bodyPr>
-          <a:lstStyle/>
-          <a:p>
-            <a:r>
-              <a:rPr lang="en-US"/>
-              <a:t>Mortality: Accidents &amp; Suicide Trend</a:t>
-            </a:r>
-            <a:endParaRPr lang="en-US" dirty="0"/>
-          </a:p>
-        </p:txBody>
-      </p:sp>
-      <p:pic>
-        <p:nvPicPr>
-          <p:cNvPr id="15" name="Content Placeholder 14" descr="Chart&#10;&#10;Description automatically generated">
-            <a:extLst>
-              <a:ext uri="{FF2B5EF4-FFF2-40B4-BE49-F238E27FC236}">
-                <a16:creationId xmlns:a16="http://schemas.microsoft.com/office/drawing/2014/main" id="{9329F01D-3172-4FE9-B515-E82961F7A995}"/>
+                <a16:creationId xmlns:a16="http://schemas.microsoft.com/office/drawing/2014/main" id="{E212F6C2-271A-444C-80D2-976C365A9DCA}"/>
               </a:ext>
             </a:extLst>
           </p:cNvPr>
           <p:cNvPicPr>
-            <a:picLocks noChangeAspect="1"/>
+            <a:picLocks noChangeAspect="1" noChangeArrowheads="1"/>
           </p:cNvPicPr>
           <p:nvPr/>
         </p:nvPicPr>
-        <p:blipFill rotWithShape="1">
+        <p:blipFill>
           <a:blip r:embed="rId2">
             <a:extLst>
               <a:ext uri="{28A0092B-C50C-407E-A947-70E740481C1C}">
@@ -5007,241 +6089,34 @@
               </a:ext>
             </a:extLst>
           </a:blip>
-          <a:srcRect l="8425" t="5486" r="8820" b="5722"/>
-          <a:stretch/>
+          <a:stretch>
+            <a:fillRect/>
+          </a:stretch>
         </p:blipFill>
-        <p:spPr>
+        <p:spPr bwMode="auto">
           <a:xfrm>
-            <a:off x="220256" y="1852905"/>
-            <a:ext cx="5875744" cy="3152190"/>
+            <a:off x="1398116" y="643467"/>
+            <a:ext cx="9395768" cy="5050225"/>
           </a:xfrm>
           <a:prstGeom prst="rect">
             <a:avLst/>
           </a:prstGeom>
+          <a:noFill/>
+          <a:extLst>
+            <a:ext uri="{909E8E84-426E-40DD-AFC4-6F175D3DCCD1}">
+              <a14:hiddenFill xmlns:a14="http://schemas.microsoft.com/office/drawing/2010/main">
+                <a:solidFill>
+                  <a:srgbClr val="FFFFFF"/>
+                </a:solidFill>
+              </a14:hiddenFill>
+            </a:ext>
+          </a:extLst>
         </p:spPr>
       </p:pic>
-      <p:cxnSp>
-        <p:nvCxnSpPr>
-          <p:cNvPr id="31" name="Straight Connector 23">
-            <a:extLst>
-              <a:ext uri="{FF2B5EF4-FFF2-40B4-BE49-F238E27FC236}">
-                <a16:creationId xmlns:a16="http://schemas.microsoft.com/office/drawing/2014/main" id="{9C21570E-E159-49A6-9891-FA397B7A92D3}"/>
-              </a:ext>
-              <a:ext uri="{C183D7F6-B498-43B3-948B-1728B52AA6E4}">
-                <adec:decorative xmlns:adec="http://schemas.microsoft.com/office/drawing/2017/decorative" val="1"/>
-              </a:ext>
-            </a:extLst>
-          </p:cNvPr>
-          <p:cNvCxnSpPr>
-            <a:cxnSpLocks noGrp="1" noRot="1" noChangeAspect="1" noMove="1" noResize="1" noEditPoints="1" noAdjustHandles="1" noChangeArrowheads="1" noChangeShapeType="1"/>
-          </p:cNvCxnSpPr>
-          <p:nvPr>
-            <p:extLst>
-              <p:ext uri="{386F3935-93C4-4BCD-93E2-E3B085C9AB24}">
-                <p16:designElem xmlns:p16="http://schemas.microsoft.com/office/powerpoint/2015/main" val="1"/>
-              </p:ext>
-            </p:extLst>
-          </p:nvPr>
-        </p:nvCxnSpPr>
-        <p:spPr>
-          <a:xfrm>
-            <a:off x="6411684" y="2086188"/>
-            <a:ext cx="4748808" cy="0"/>
-          </a:xfrm>
-          <a:prstGeom prst="line">
-            <a:avLst/>
-          </a:prstGeom>
-          <a:ln w="6350">
-            <a:solidFill>
-              <a:schemeClr val="tx1">
-                <a:lumMod val="50000"/>
-                <a:lumOff val="50000"/>
-                <a:alpha val="90000"/>
-              </a:schemeClr>
-            </a:solidFill>
-          </a:ln>
-        </p:spPr>
-        <p:style>
-          <a:lnRef idx="1">
-            <a:schemeClr val="accent1"/>
-          </a:lnRef>
-          <a:fillRef idx="0">
-            <a:schemeClr val="accent1"/>
-          </a:fillRef>
-          <a:effectRef idx="0">
-            <a:schemeClr val="accent1"/>
-          </a:effectRef>
-          <a:fontRef idx="minor">
-            <a:schemeClr val="tx1"/>
-          </a:fontRef>
-        </p:style>
-      </p:cxnSp>
-      <p:sp>
-        <p:nvSpPr>
-          <p:cNvPr id="32" name="Content Placeholder 18">
-            <a:extLst>
-              <a:ext uri="{FF2B5EF4-FFF2-40B4-BE49-F238E27FC236}">
-                <a16:creationId xmlns:a16="http://schemas.microsoft.com/office/drawing/2014/main" id="{22EC9398-0F20-4866-B78A-CB58C161B541}"/>
-              </a:ext>
-            </a:extLst>
-          </p:cNvPr>
-          <p:cNvSpPr>
-            <a:spLocks noGrp="1"/>
-          </p:cNvSpPr>
-          <p:nvPr>
-            <p:ph idx="1"/>
-          </p:nvPr>
-        </p:nvSpPr>
-        <p:spPr>
-          <a:xfrm>
-            <a:off x="6411684" y="2198914"/>
-            <a:ext cx="5127172" cy="3670180"/>
-          </a:xfrm>
-        </p:spPr>
-        <p:txBody>
-          <a:bodyPr>
-            <a:normAutofit/>
-          </a:bodyPr>
-          <a:lstStyle/>
-          <a:p>
-            <a:r>
-              <a:rPr lang="en-US" dirty="0"/>
-              <a:t>Accidents and suicides did not have a seasonal component.</a:t>
-            </a:r>
-          </a:p>
-          <a:p>
-            <a:r>
-              <a:rPr lang="en-US" dirty="0"/>
-              <a:t>There does seem to be an increase in the number of accidents after the pandemic.</a:t>
-            </a:r>
-          </a:p>
-          <a:p>
-            <a:r>
-              <a:rPr lang="en-US" dirty="0"/>
-              <a:t>There does not seem to be a change in the number of suicides after </a:t>
-            </a:r>
-            <a:r>
-              <a:rPr lang="en-US"/>
-              <a:t>the pandemic.</a:t>
-            </a:r>
-            <a:endParaRPr lang="en-US" dirty="0"/>
-          </a:p>
-        </p:txBody>
-      </p:sp>
-      <p:sp>
-        <p:nvSpPr>
-          <p:cNvPr id="33" name="Rectangle 25">
-            <a:extLst>
-              <a:ext uri="{FF2B5EF4-FFF2-40B4-BE49-F238E27FC236}">
-                <a16:creationId xmlns:a16="http://schemas.microsoft.com/office/drawing/2014/main" id="{E95DA498-D9A2-4DA9-B9DA-B3776E08CF7E}"/>
-              </a:ext>
-              <a:ext uri="{C183D7F6-B498-43B3-948B-1728B52AA6E4}">
-                <adec:decorative xmlns:adec="http://schemas.microsoft.com/office/drawing/2017/decorative" val="1"/>
-              </a:ext>
-            </a:extLst>
-          </p:cNvPr>
-          <p:cNvSpPr>
-            <a:spLocks noGrp="1" noRot="1" noChangeAspect="1" noMove="1" noResize="1" noEditPoints="1" noAdjustHandles="1" noChangeArrowheads="1" noChangeShapeType="1" noTextEdit="1"/>
-          </p:cNvSpPr>
-          <p:nvPr>
-            <p:extLst>
-              <p:ext uri="{386F3935-93C4-4BCD-93E2-E3B085C9AB24}">
-                <p16:designElem xmlns:p16="http://schemas.microsoft.com/office/powerpoint/2015/main" val="1"/>
-              </p:ext>
-            </p:extLst>
-          </p:nvPr>
-        </p:nvSpPr>
-        <p:spPr>
-          <a:xfrm>
-            <a:off x="15" y="6334316"/>
-            <a:ext cx="12191985" cy="66484"/>
-          </a:xfrm>
-          <a:prstGeom prst="rect">
-            <a:avLst/>
-          </a:prstGeom>
-          <a:solidFill>
-            <a:schemeClr val="accent1"/>
-          </a:solidFill>
-          <a:ln>
-            <a:noFill/>
-          </a:ln>
-        </p:spPr>
-        <p:style>
-          <a:lnRef idx="2">
-            <a:schemeClr val="accent1">
-              <a:shade val="50000"/>
-            </a:schemeClr>
-          </a:lnRef>
-          <a:fillRef idx="1">
-            <a:schemeClr val="accent1"/>
-          </a:fillRef>
-          <a:effectRef idx="0">
-            <a:schemeClr val="accent1"/>
-          </a:effectRef>
-          <a:fontRef idx="minor">
-            <a:schemeClr val="lt1"/>
-          </a:fontRef>
-        </p:style>
-      </p:sp>
-      <p:sp>
-        <p:nvSpPr>
-          <p:cNvPr id="34" name="Rectangle 27">
-            <a:extLst>
-              <a:ext uri="{FF2B5EF4-FFF2-40B4-BE49-F238E27FC236}">
-                <a16:creationId xmlns:a16="http://schemas.microsoft.com/office/drawing/2014/main" id="{82A73093-4B9D-420D-B17E-52293703A1D4}"/>
-              </a:ext>
-              <a:ext uri="{C183D7F6-B498-43B3-948B-1728B52AA6E4}">
-                <adec:decorative xmlns:adec="http://schemas.microsoft.com/office/drawing/2017/decorative" val="1"/>
-              </a:ext>
-            </a:extLst>
-          </p:cNvPr>
-          <p:cNvSpPr>
-            <a:spLocks noGrp="1" noRot="1" noChangeAspect="1" noMove="1" noResize="1" noEditPoints="1" noAdjustHandles="1" noChangeArrowheads="1" noChangeShapeType="1" noTextEdit="1"/>
-          </p:cNvSpPr>
-          <p:nvPr>
-            <p:extLst>
-              <p:ext uri="{386F3935-93C4-4BCD-93E2-E3B085C9AB24}">
-                <p16:designElem xmlns:p16="http://schemas.microsoft.com/office/powerpoint/2015/main" val="1"/>
-              </p:ext>
-            </p:extLst>
-          </p:nvPr>
-        </p:nvSpPr>
-        <p:spPr>
-          <a:xfrm>
-            <a:off x="1" y="6400800"/>
-            <a:ext cx="12192000" cy="457200"/>
-          </a:xfrm>
-          <a:prstGeom prst="rect">
-            <a:avLst/>
-          </a:prstGeom>
-          <a:solidFill>
-            <a:schemeClr val="accent2"/>
-          </a:solidFill>
-          <a:ln>
-            <a:noFill/>
-          </a:ln>
-        </p:spPr>
-        <p:style>
-          <a:lnRef idx="2">
-            <a:schemeClr val="accent1">
-              <a:shade val="50000"/>
-            </a:schemeClr>
-          </a:lnRef>
-          <a:fillRef idx="1">
-            <a:schemeClr val="accent1"/>
-          </a:fillRef>
-          <a:effectRef idx="0">
-            <a:schemeClr val="accent1"/>
-          </a:effectRef>
-          <a:fontRef idx="minor">
-            <a:schemeClr val="lt1"/>
-          </a:fontRef>
-        </p:style>
-      </p:sp>
     </p:spTree>
     <p:extLst>
       <p:ext uri="{BB962C8B-B14F-4D97-AF65-F5344CB8AC3E}">
-        <p14:creationId xmlns:p14="http://schemas.microsoft.com/office/powerpoint/2010/main" val="2113066477"/>
+        <p14:creationId xmlns:p14="http://schemas.microsoft.com/office/powerpoint/2010/main" val="11525361"/>
       </p:ext>
     </p:extLst>
   </p:cSld>
@@ -5252,9 +6127,17 @@
 </p:sld>
 </file>
 
-<file path=ppt/slides/slide6.xml><?xml version="1.0" encoding="utf-8"?>
+<file path=ppt/slides/slide7.xml><?xml version="1.0" encoding="utf-8"?>
 <p:sld xmlns:a="http://schemas.openxmlformats.org/drawingml/2006/main" xmlns:r="http://schemas.openxmlformats.org/officeDocument/2006/relationships" xmlns:p="http://schemas.openxmlformats.org/presentationml/2006/main">
   <p:cSld>
+    <p:bg>
+      <p:bgPr>
+        <a:solidFill>
+          <a:schemeClr val="bg1"/>
+        </a:solidFill>
+        <a:effectLst/>
+      </p:bgPr>
+    </p:bg>
     <p:spTree>
       <p:nvGrpSpPr>
         <p:cNvPr id="1" name=""/>
@@ -5269,73 +6152,84 @@
           <a:chExt cx="0" cy="0"/>
         </a:xfrm>
       </p:grpSpPr>
-      <p:sp>
-        <p:nvSpPr>
-          <p:cNvPr id="14" name="Title 13">
+      <p:pic>
+        <p:nvPicPr>
+          <p:cNvPr id="6147" name="Picture 3">
             <a:extLst>
               <a:ext uri="{FF2B5EF4-FFF2-40B4-BE49-F238E27FC236}">
-                <a16:creationId xmlns:a16="http://schemas.microsoft.com/office/drawing/2014/main" id="{3DD142EE-9E88-4B2A-8467-B3C527899E5B}"/>
+                <a16:creationId xmlns:a16="http://schemas.microsoft.com/office/drawing/2014/main" id="{3F8D6146-DB09-462F-A31B-1D53A431E80D}"/>
               </a:ext>
             </a:extLst>
           </p:cNvPr>
-          <p:cNvSpPr>
-            <a:spLocks noGrp="1"/>
-          </p:cNvSpPr>
-          <p:nvPr>
-            <p:ph type="title"/>
-          </p:nvPr>
-        </p:nvSpPr>
-        <p:spPr/>
-        <p:txBody>
-          <a:bodyPr/>
-          <a:lstStyle/>
-          <a:p>
-            <a:endParaRPr lang="en-US"/>
-          </a:p>
-        </p:txBody>
-      </p:sp>
-      <p:sp>
-        <p:nvSpPr>
-          <p:cNvPr id="15" name="Content Placeholder 14">
+          <p:cNvPicPr>
+            <a:picLocks noChangeAspect="1" noChangeArrowheads="1"/>
+          </p:cNvPicPr>
+          <p:nvPr/>
+        </p:nvPicPr>
+        <p:blipFill>
+          <a:blip r:embed="rId2">
             <a:extLst>
-              <a:ext uri="{FF2B5EF4-FFF2-40B4-BE49-F238E27FC236}">
-                <a16:creationId xmlns:a16="http://schemas.microsoft.com/office/drawing/2014/main" id="{4EE50063-7043-4A73-9553-F0AEA7B56174}"/>
+              <a:ext uri="{28A0092B-C50C-407E-A947-70E740481C1C}">
+                <a14:useLocalDpi xmlns:a14="http://schemas.microsoft.com/office/drawing/2010/main" val="0"/>
               </a:ext>
             </a:extLst>
-          </p:cNvPr>
-          <p:cNvSpPr>
-            <a:spLocks noGrp="1"/>
-          </p:cNvSpPr>
-          <p:nvPr>
-            <p:ph idx="1"/>
-          </p:nvPr>
-        </p:nvSpPr>
-        <p:spPr/>
-        <p:txBody>
-          <a:bodyPr/>
-          <a:lstStyle/>
-          <a:p>
-            <a:endParaRPr lang="en-US"/>
-          </a:p>
-        </p:txBody>
-      </p:sp>
+          </a:blip>
+          <a:stretch>
+            <a:fillRect/>
+          </a:stretch>
+        </p:blipFill>
+        <p:spPr bwMode="auto">
+          <a:xfrm>
+            <a:off x="1398116" y="643467"/>
+            <a:ext cx="9395768" cy="5050225"/>
+          </a:xfrm>
+          <a:prstGeom prst="rect">
+            <a:avLst/>
+          </a:prstGeom>
+          <a:noFill/>
+          <a:extLst>
+            <a:ext uri="{909E8E84-426E-40DD-AFC4-6F175D3DCCD1}">
+              <a14:hiddenFill xmlns:a14="http://schemas.microsoft.com/office/drawing/2010/main">
+                <a:solidFill>
+                  <a:srgbClr val="FFFFFF"/>
+                </a:solidFill>
+              </a14:hiddenFill>
+            </a:ext>
+          </a:extLst>
+        </p:spPr>
+      </p:pic>
     </p:spTree>
     <p:extLst>
       <p:ext uri="{BB962C8B-B14F-4D97-AF65-F5344CB8AC3E}">
-        <p14:creationId xmlns:p14="http://schemas.microsoft.com/office/powerpoint/2010/main" val="895458565"/>
+        <p14:creationId xmlns:p14="http://schemas.microsoft.com/office/powerpoint/2010/main" val="1358725225"/>
       </p:ext>
     </p:extLst>
   </p:cSld>
   <p:clrMapOvr>
     <a:masterClrMapping/>
   </p:clrMapOvr>
-  <p:transition advTm="20000"/>
+  <mc:AlternateContent xmlns:mc="http://schemas.openxmlformats.org/markup-compatibility/2006">
+    <mc:Choice xmlns:p14="http://schemas.microsoft.com/office/powerpoint/2010/main" Requires="p14">
+      <p:transition spd="slow" p14:dur="2000" advTm="20000"/>
+    </mc:Choice>
+    <mc:Fallback>
+      <p:transition spd="slow" advTm="20000"/>
+    </mc:Fallback>
+  </mc:AlternateContent>
 </p:sld>
 </file>
 
-<file path=ppt/slides/slide7.xml><?xml version="1.0" encoding="utf-8"?>
+<file path=ppt/slides/slide8.xml><?xml version="1.0" encoding="utf-8"?>
 <p:sld xmlns:a="http://schemas.openxmlformats.org/drawingml/2006/main" xmlns:r="http://schemas.openxmlformats.org/officeDocument/2006/relationships" xmlns:p="http://schemas.openxmlformats.org/presentationml/2006/main">
   <p:cSld>
+    <p:bg>
+      <p:bgPr>
+        <a:solidFill>
+          <a:schemeClr val="bg1"/>
+        </a:solidFill>
+        <a:effectLst/>
+      </p:bgPr>
+    </p:bg>
     <p:spTree>
       <p:nvGrpSpPr>
         <p:cNvPr id="1" name=""/>
@@ -5350,141 +6244,56 @@
           <a:chExt cx="0" cy="0"/>
         </a:xfrm>
       </p:grpSpPr>
-      <p:sp>
-        <p:nvSpPr>
-          <p:cNvPr id="2" name="Title 1">
+      <p:pic>
+        <p:nvPicPr>
+          <p:cNvPr id="2054" name="Picture 6">
             <a:extLst>
               <a:ext uri="{FF2B5EF4-FFF2-40B4-BE49-F238E27FC236}">
-                <a16:creationId xmlns:a16="http://schemas.microsoft.com/office/drawing/2014/main" id="{7D18369F-C022-41BA-8D4A-3E9A99019E83}"/>
+                <a16:creationId xmlns:a16="http://schemas.microsoft.com/office/drawing/2014/main" id="{A166DAC1-AA22-4B34-8005-99210DC97C0F}"/>
               </a:ext>
             </a:extLst>
           </p:cNvPr>
-          <p:cNvSpPr>
-            <a:spLocks noGrp="1"/>
-          </p:cNvSpPr>
-          <p:nvPr>
-            <p:ph type="title"/>
-          </p:nvPr>
-        </p:nvSpPr>
-        <p:spPr/>
-        <p:txBody>
-          <a:bodyPr/>
-          <a:lstStyle/>
-          <a:p>
-            <a:endParaRPr lang="en-US"/>
-          </a:p>
-        </p:txBody>
-      </p:sp>
-      <p:sp>
-        <p:nvSpPr>
-          <p:cNvPr id="7" name="Content Placeholder 6">
+          <p:cNvPicPr>
+            <a:picLocks noChangeAspect="1" noChangeArrowheads="1"/>
+          </p:cNvPicPr>
+          <p:nvPr/>
+        </p:nvPicPr>
+        <p:blipFill>
+          <a:blip r:embed="rId2">
             <a:extLst>
-              <a:ext uri="{FF2B5EF4-FFF2-40B4-BE49-F238E27FC236}">
-                <a16:creationId xmlns:a16="http://schemas.microsoft.com/office/drawing/2014/main" id="{0BB7AFA9-59E1-4864-A5D5-A1CEBD81A344}"/>
+              <a:ext uri="{28A0092B-C50C-407E-A947-70E740481C1C}">
+                <a14:useLocalDpi xmlns:a14="http://schemas.microsoft.com/office/drawing/2010/main" val="0"/>
               </a:ext>
             </a:extLst>
-          </p:cNvPr>
-          <p:cNvSpPr>
-            <a:spLocks noGrp="1"/>
-          </p:cNvSpPr>
-          <p:nvPr>
-            <p:ph idx="1"/>
-          </p:nvPr>
-        </p:nvSpPr>
-        <p:spPr/>
-        <p:txBody>
-          <a:bodyPr/>
-          <a:lstStyle/>
-          <a:p>
-            <a:endParaRPr lang="en-US"/>
-          </a:p>
-        </p:txBody>
-      </p:sp>
+          </a:blip>
+          <a:stretch>
+            <a:fillRect/>
+          </a:stretch>
+        </p:blipFill>
+        <p:spPr bwMode="auto">
+          <a:xfrm>
+            <a:off x="1441414" y="643467"/>
+            <a:ext cx="9309171" cy="5050225"/>
+          </a:xfrm>
+          <a:prstGeom prst="rect">
+            <a:avLst/>
+          </a:prstGeom>
+          <a:noFill/>
+          <a:extLst>
+            <a:ext uri="{909E8E84-426E-40DD-AFC4-6F175D3DCCD1}">
+              <a14:hiddenFill xmlns:a14="http://schemas.microsoft.com/office/drawing/2010/main">
+                <a:solidFill>
+                  <a:srgbClr val="FFFFFF"/>
+                </a:solidFill>
+              </a14:hiddenFill>
+            </a:ext>
+          </a:extLst>
+        </p:spPr>
+      </p:pic>
     </p:spTree>
     <p:extLst>
       <p:ext uri="{BB962C8B-B14F-4D97-AF65-F5344CB8AC3E}">
-        <p14:creationId xmlns:p14="http://schemas.microsoft.com/office/powerpoint/2010/main" val="1457680703"/>
-      </p:ext>
-    </p:extLst>
-  </p:cSld>
-  <p:clrMapOvr>
-    <a:masterClrMapping/>
-  </p:clrMapOvr>
-  <p:transition advTm="20000"/>
-</p:sld>
-</file>
-
-<file path=ppt/slides/slide8.xml><?xml version="1.0" encoding="utf-8"?>
-<p:sld xmlns:a="http://schemas.openxmlformats.org/drawingml/2006/main" xmlns:r="http://schemas.openxmlformats.org/officeDocument/2006/relationships" xmlns:p="http://schemas.openxmlformats.org/presentationml/2006/main">
-  <p:cSld>
-    <p:spTree>
-      <p:nvGrpSpPr>
-        <p:cNvPr id="1" name=""/>
-        <p:cNvGrpSpPr/>
-        <p:nvPr/>
-      </p:nvGrpSpPr>
-      <p:grpSpPr>
-        <a:xfrm>
-          <a:off x="0" y="0"/>
-          <a:ext cx="0" cy="0"/>
-          <a:chOff x="0" y="0"/>
-          <a:chExt cx="0" cy="0"/>
-        </a:xfrm>
-      </p:grpSpPr>
-      <p:sp>
-        <p:nvSpPr>
-          <p:cNvPr id="2" name="Title 1">
-            <a:extLst>
-              <a:ext uri="{FF2B5EF4-FFF2-40B4-BE49-F238E27FC236}">
-                <a16:creationId xmlns:a16="http://schemas.microsoft.com/office/drawing/2014/main" id="{7D18369F-C022-41BA-8D4A-3E9A99019E83}"/>
-              </a:ext>
-            </a:extLst>
-          </p:cNvPr>
-          <p:cNvSpPr>
-            <a:spLocks noGrp="1"/>
-          </p:cNvSpPr>
-          <p:nvPr>
-            <p:ph type="title"/>
-          </p:nvPr>
-        </p:nvSpPr>
-        <p:spPr/>
-        <p:txBody>
-          <a:bodyPr/>
-          <a:lstStyle/>
-          <a:p>
-            <a:endParaRPr lang="en-US"/>
-          </a:p>
-        </p:txBody>
-      </p:sp>
-      <p:sp>
-        <p:nvSpPr>
-          <p:cNvPr id="3" name="Content Placeholder 2">
-            <a:extLst>
-              <a:ext uri="{FF2B5EF4-FFF2-40B4-BE49-F238E27FC236}">
-                <a16:creationId xmlns:a16="http://schemas.microsoft.com/office/drawing/2014/main" id="{C59360FB-3752-44AA-BC8C-D88200BC138E}"/>
-              </a:ext>
-            </a:extLst>
-          </p:cNvPr>
-          <p:cNvSpPr>
-            <a:spLocks noGrp="1"/>
-          </p:cNvSpPr>
-          <p:nvPr>
-            <p:ph idx="1"/>
-          </p:nvPr>
-        </p:nvSpPr>
-        <p:spPr/>
-        <p:txBody>
-          <a:bodyPr/>
-          <a:lstStyle/>
-          <a:p>
-            <a:endParaRPr lang="en-US"/>
-          </a:p>
-        </p:txBody>
-      </p:sp>
-    </p:spTree>
-    <p:extLst>
-      <p:ext uri="{BB962C8B-B14F-4D97-AF65-F5344CB8AC3E}">
-        <p14:creationId xmlns:p14="http://schemas.microsoft.com/office/powerpoint/2010/main" val="787677621"/>
+        <p14:creationId xmlns:p14="http://schemas.microsoft.com/office/powerpoint/2010/main" val="2113066477"/>
       </p:ext>
     </p:extLst>
   </p:cSld>
@@ -5514,10 +6323,10 @@
       </p:grpSpPr>
       <p:sp>
         <p:nvSpPr>
-          <p:cNvPr id="2" name="Title 1">
+          <p:cNvPr id="14" name="Title 13">
             <a:extLst>
               <a:ext uri="{FF2B5EF4-FFF2-40B4-BE49-F238E27FC236}">
-                <a16:creationId xmlns:a16="http://schemas.microsoft.com/office/drawing/2014/main" id="{7D18369F-C022-41BA-8D4A-3E9A99019E83}"/>
+                <a16:creationId xmlns:a16="http://schemas.microsoft.com/office/drawing/2014/main" id="{3DD142EE-9E88-4B2A-8467-B3C527899E5B}"/>
               </a:ext>
             </a:extLst>
           </p:cNvPr>
@@ -5533,39 +6342,250 @@
           <a:bodyPr/>
           <a:lstStyle/>
           <a:p>
-            <a:endParaRPr lang="en-US"/>
-          </a:p>
-        </p:txBody>
-      </p:sp>
-      <p:sp>
-        <p:nvSpPr>
-          <p:cNvPr id="3" name="Content Placeholder 2">
-            <a:extLst>
-              <a:ext uri="{FF2B5EF4-FFF2-40B4-BE49-F238E27FC236}">
-                <a16:creationId xmlns:a16="http://schemas.microsoft.com/office/drawing/2014/main" id="{C59360FB-3752-44AA-BC8C-D88200BC138E}"/>
-              </a:ext>
-            </a:extLst>
-          </p:cNvPr>
-          <p:cNvSpPr>
-            <a:spLocks noGrp="1"/>
-          </p:cNvSpPr>
-          <p:nvPr>
-            <p:ph idx="1"/>
-          </p:nvPr>
-        </p:nvSpPr>
-        <p:spPr/>
-        <p:txBody>
-          <a:bodyPr/>
-          <a:lstStyle/>
-          <a:p>
-            <a:endParaRPr lang="en-US"/>
-          </a:p>
-        </p:txBody>
-      </p:sp>
+            <a:r>
+              <a:rPr lang="en-US" dirty="0"/>
+              <a:t>Result 1: Overall Deaths </a:t>
+            </a:r>
+            <a:r>
+              <a:rPr lang="en-US" b="1" dirty="0">
+                <a:solidFill>
+                  <a:schemeClr val="accent2"/>
+                </a:solidFill>
+              </a:rPr>
+              <a:t>Increased</a:t>
+            </a:r>
+          </a:p>
+        </p:txBody>
+      </p:sp>
+      <mc:AlternateContent xmlns:mc="http://schemas.openxmlformats.org/markup-compatibility/2006">
+        <mc:Choice xmlns:a14="http://schemas.microsoft.com/office/drawing/2010/main" Requires="a14">
+          <p:sp>
+            <p:nvSpPr>
+              <p:cNvPr id="17" name="Content Placeholder 16">
+                <a:extLst>
+                  <a:ext uri="{FF2B5EF4-FFF2-40B4-BE49-F238E27FC236}">
+                    <a16:creationId xmlns:a16="http://schemas.microsoft.com/office/drawing/2014/main" id="{2D612E7C-8D8D-47E9-B2A2-E23DE90B8CF9}"/>
+                  </a:ext>
+                </a:extLst>
+              </p:cNvPr>
+              <p:cNvSpPr>
+                <a:spLocks noGrp="1"/>
+              </p:cNvSpPr>
+              <p:nvPr>
+                <p:ph idx="1"/>
+              </p:nvPr>
+            </p:nvSpPr>
+            <p:spPr/>
+            <p:txBody>
+              <a:bodyPr/>
+              <a:lstStyle/>
+              <a:p>
+                <a:r>
+                  <a:rPr lang="en-US" dirty="0"/>
+                  <a:t>Test Results</a:t>
+                </a:r>
+              </a:p>
+              <a:p>
+                <a:pPr lvl="1"/>
+                <a:r>
+                  <a:rPr lang="en-US" dirty="0"/>
+                  <a:t>H</a:t>
+                </a:r>
+                <a:r>
+                  <a:rPr lang="en-US" baseline="-25000" dirty="0"/>
+                  <a:t>0</a:t>
+                </a:r>
+                <a:r>
+                  <a:rPr lang="en-US" dirty="0"/>
+                  <a:t>: There is no change in overall non-COVID-related deaths during the pandemic.</a:t>
+                </a:r>
+              </a:p>
+              <a:p>
+                <a:pPr lvl="1"/>
+                <a:r>
+                  <a:rPr lang="en-US" dirty="0"/>
+                  <a:t>2-sided Welch T-Test with </a:t>
+                </a:r>
+                <a:r>
+                  <a:rPr lang="en-US" dirty="0" err="1"/>
+                  <a:t>n</a:t>
+                </a:r>
+                <a:r>
+                  <a:rPr lang="en-US" baseline="-25000" dirty="0" err="1"/>
+                  <a:t>pre</a:t>
+                </a:r>
+                <a:r>
+                  <a:rPr lang="en-US" baseline="-25000" dirty="0"/>
+                  <a:t>-pandemic</a:t>
+                </a:r>
+                <a:r>
+                  <a:rPr lang="en-US" dirty="0"/>
+                  <a:t> = 74 and </a:t>
+                </a:r>
+                <a:r>
+                  <a:rPr lang="en-US" dirty="0" err="1"/>
+                  <a:t>n</a:t>
+                </a:r>
+                <a:r>
+                  <a:rPr lang="en-US" baseline="-25000" dirty="0" err="1"/>
+                  <a:t>pandemic</a:t>
+                </a:r>
+                <a:r>
+                  <a:rPr lang="en-US" dirty="0"/>
+                  <a:t> = 20.</a:t>
+                </a:r>
+              </a:p>
+              <a:p>
+                <a:pPr lvl="1"/>
+                <a14:m>
+                  <m:oMath xmlns:m="http://schemas.openxmlformats.org/officeDocument/2006/math">
+                    <m:r>
+                      <a:rPr lang="en-US" b="0" i="1" smtClean="0">
+                        <a:latin typeface="Cambria Math" panose="02040503050406030204" pitchFamily="18" charset="0"/>
+                      </a:rPr>
+                      <m:t>𝑝</m:t>
+                    </m:r>
+                    <m:d>
+                      <m:dPr>
+                        <m:ctrlPr>
+                          <a:rPr lang="en-US" b="0" i="1" smtClean="0">
+                            <a:latin typeface="Cambria Math" panose="02040503050406030204" pitchFamily="18" charset="0"/>
+                          </a:rPr>
+                        </m:ctrlPr>
+                      </m:dPr>
+                      <m:e>
+                        <m:d>
+                          <m:dPr>
+                            <m:begChr m:val="|"/>
+                            <m:endChr m:val="|"/>
+                            <m:ctrlPr>
+                              <a:rPr lang="en-US" b="0" i="1" smtClean="0">
+                                <a:latin typeface="Cambria Math" panose="02040503050406030204" pitchFamily="18" charset="0"/>
+                              </a:rPr>
+                            </m:ctrlPr>
+                          </m:dPr>
+                          <m:e>
+                            <m:r>
+                              <a:rPr lang="en-US" b="0" i="1" smtClean="0">
+                                <a:latin typeface="Cambria Math" panose="02040503050406030204" pitchFamily="18" charset="0"/>
+                              </a:rPr>
+                              <m:t>𝑡</m:t>
+                            </m:r>
+                          </m:e>
+                        </m:d>
+                        <m:r>
+                          <a:rPr lang="en-US" b="0" i="1" smtClean="0">
+                            <a:latin typeface="Cambria Math" panose="02040503050406030204" pitchFamily="18" charset="0"/>
+                          </a:rPr>
+                          <m:t>&gt;2.44</m:t>
+                        </m:r>
+                      </m:e>
+                    </m:d>
+                    <m:r>
+                      <a:rPr lang="en-US" b="0" i="1" smtClean="0">
+                        <a:latin typeface="Cambria Math" panose="02040503050406030204" pitchFamily="18" charset="0"/>
+                      </a:rPr>
+                      <m:t>=0.02</m:t>
+                    </m:r>
+                  </m:oMath>
+                </a14:m>
+                <a:r>
+                  <a:rPr lang="en-US" dirty="0"/>
+                  <a:t>. </a:t>
+                </a:r>
+              </a:p>
+              <a:p>
+                <a:pPr lvl="1"/>
+                <a:r>
+                  <a:rPr lang="en-US" dirty="0"/>
+                  <a:t>Evidence that there </a:t>
+                </a:r>
+                <a:r>
+                  <a:rPr lang="en-US" b="1" dirty="0">
+                    <a:solidFill>
+                      <a:schemeClr val="accent2"/>
+                    </a:solidFill>
+                  </a:rPr>
+                  <a:t>was a change</a:t>
+                </a:r>
+                <a:r>
+                  <a:rPr lang="en-US" dirty="0"/>
+                  <a:t> in overall deaths during the pandemic.</a:t>
+                </a:r>
+              </a:p>
+              <a:p>
+                <a:pPr lvl="1"/>
+                <a:r>
+                  <a:rPr lang="en-US" dirty="0"/>
+                  <a:t>Overall deaths during the pandemic were </a:t>
+                </a:r>
+                <a:r>
+                  <a:rPr lang="en-US" i="1" dirty="0"/>
+                  <a:t>higher.</a:t>
+                </a:r>
+                <a:endParaRPr lang="en-US" dirty="0"/>
+              </a:p>
+              <a:p>
+                <a:pPr/>
+                <a:r>
+                  <a:rPr lang="en-US" dirty="0"/>
+                  <a:t>Plausible Explanation</a:t>
+                </a:r>
+              </a:p>
+              <a:p>
+                <a:pPr lvl="1"/>
+                <a:r>
+                  <a:rPr lang="en-US" dirty="0"/>
+                  <a:t>Categorization of COVID-related deaths from Johns Hopkins. </a:t>
+                </a:r>
+              </a:p>
+            </p:txBody>
+          </p:sp>
+        </mc:Choice>
+        <mc:Fallback>
+          <p:sp>
+            <p:nvSpPr>
+              <p:cNvPr id="17" name="Content Placeholder 16">
+                <a:extLst>
+                  <a:ext uri="{FF2B5EF4-FFF2-40B4-BE49-F238E27FC236}">
+                    <a16:creationId xmlns:a16="http://schemas.microsoft.com/office/drawing/2014/main" id="{2D612E7C-8D8D-47E9-B2A2-E23DE90B8CF9}"/>
+                  </a:ext>
+                </a:extLst>
+              </p:cNvPr>
+              <p:cNvSpPr>
+                <a:spLocks noGrp="1" noRot="1" noChangeAspect="1" noMove="1" noResize="1" noEditPoints="1" noAdjustHandles="1" noChangeArrowheads="1" noChangeShapeType="1" noTextEdit="1"/>
+              </p:cNvSpPr>
+              <p:nvPr>
+                <p:ph idx="1"/>
+              </p:nvPr>
+            </p:nvSpPr>
+            <p:spPr>
+              <a:blipFill>
+                <a:blip r:embed="rId2"/>
+                <a:stretch>
+                  <a:fillRect l="-606" t="-1667"/>
+                </a:stretch>
+              </a:blipFill>
+            </p:spPr>
+            <p:txBody>
+              <a:bodyPr/>
+              <a:lstStyle/>
+              <a:p>
+                <a:r>
+                  <a:rPr lang="en-US">
+                    <a:noFill/>
+                  </a:rPr>
+                  <a:t> </a:t>
+                </a:r>
+              </a:p>
+            </p:txBody>
+          </p:sp>
+        </mc:Fallback>
+      </mc:AlternateContent>
     </p:spTree>
     <p:extLst>
       <p:ext uri="{BB962C8B-B14F-4D97-AF65-F5344CB8AC3E}">
-        <p14:creationId xmlns:p14="http://schemas.microsoft.com/office/powerpoint/2010/main" val="781582528"/>
+        <p14:creationId xmlns:p14="http://schemas.microsoft.com/office/powerpoint/2010/main" val="895458565"/>
       </p:ext>
     </p:extLst>
   </p:cSld>
